--- a/econ-115-module-1-lecture-3.4-slouching?-#tceh.pptx
+++ b/econ-115-module-1-lecture-3.4-slouching?-#tceh.pptx
@@ -10,7 +10,6 @@
   <p:sldIdLst>
     <p:sldId id="256" r:id="rId8"/>
     <p:sldId id="257" r:id="rId9"/>
-    <p:sldId id="258" r:id="rId10"/>
   </p:sldIdLst>
   <p:sldSz cx="9144000" cy="6858000"/>
   <p:notesSz cx="6858000" cy="9144000"/>
@@ -56,7 +55,7 @@
       <a:buFontTx/>
       <a:buNone/>
       <a:tabLst/>
-      <a:defRPr b="1" baseline="0" cap="none" i="0" spc="0" strike="noStrike" sz="3000" u="none" kumimoji="0" normalizeH="0">
+      <a:defRPr b="0" baseline="0" cap="none" i="0" spc="0" strike="noStrike" sz="3000" u="none" kumimoji="0" normalizeH="0">
         <a:ln>
           <a:noFill/>
         </a:ln>
@@ -69,10 +68,10 @@
             <a:srgbClr val="000000"/>
           </a:solidFill>
         </a:uFill>
-        <a:latin typeface="+mj-lt"/>
-        <a:ea typeface="+mj-ea"/>
-        <a:cs typeface="+mj-cs"/>
-        <a:sym typeface="Helvetica"/>
+        <a:latin typeface="+mn-lt"/>
+        <a:ea typeface="+mn-ea"/>
+        <a:cs typeface="+mn-cs"/>
+        <a:sym typeface="Avenir Roman"/>
       </a:defRPr>
     </a:lvl1pPr>
     <a:lvl2pPr marL="0" marR="0" indent="0" algn="l" defTabSz="457200" rtl="0" fontAlgn="auto" latinLnBrk="0" hangingPunct="0">
@@ -90,7 +89,7 @@
       <a:buFontTx/>
       <a:buNone/>
       <a:tabLst/>
-      <a:defRPr b="1" baseline="0" cap="none" i="0" spc="0" strike="noStrike" sz="3000" u="none" kumimoji="0" normalizeH="0">
+      <a:defRPr b="0" baseline="0" cap="none" i="0" spc="0" strike="noStrike" sz="3000" u="none" kumimoji="0" normalizeH="0">
         <a:ln>
           <a:noFill/>
         </a:ln>
@@ -103,10 +102,10 @@
             <a:srgbClr val="000000"/>
           </a:solidFill>
         </a:uFill>
-        <a:latin typeface="+mj-lt"/>
-        <a:ea typeface="+mj-ea"/>
-        <a:cs typeface="+mj-cs"/>
-        <a:sym typeface="Helvetica"/>
+        <a:latin typeface="+mn-lt"/>
+        <a:ea typeface="+mn-ea"/>
+        <a:cs typeface="+mn-cs"/>
+        <a:sym typeface="Avenir Roman"/>
       </a:defRPr>
     </a:lvl2pPr>
     <a:lvl3pPr marL="0" marR="0" indent="0" algn="l" defTabSz="457200" rtl="0" fontAlgn="auto" latinLnBrk="0" hangingPunct="0">
@@ -124,7 +123,7 @@
       <a:buFontTx/>
       <a:buNone/>
       <a:tabLst/>
-      <a:defRPr b="1" baseline="0" cap="none" i="0" spc="0" strike="noStrike" sz="3000" u="none" kumimoji="0" normalizeH="0">
+      <a:defRPr b="0" baseline="0" cap="none" i="0" spc="0" strike="noStrike" sz="3000" u="none" kumimoji="0" normalizeH="0">
         <a:ln>
           <a:noFill/>
         </a:ln>
@@ -137,10 +136,10 @@
             <a:srgbClr val="000000"/>
           </a:solidFill>
         </a:uFill>
-        <a:latin typeface="+mj-lt"/>
-        <a:ea typeface="+mj-ea"/>
-        <a:cs typeface="+mj-cs"/>
-        <a:sym typeface="Helvetica"/>
+        <a:latin typeface="+mn-lt"/>
+        <a:ea typeface="+mn-ea"/>
+        <a:cs typeface="+mn-cs"/>
+        <a:sym typeface="Avenir Roman"/>
       </a:defRPr>
     </a:lvl3pPr>
     <a:lvl4pPr marL="0" marR="0" indent="0" algn="l" defTabSz="457200" rtl="0" fontAlgn="auto" latinLnBrk="0" hangingPunct="0">
@@ -158,7 +157,7 @@
       <a:buFontTx/>
       <a:buNone/>
       <a:tabLst/>
-      <a:defRPr b="1" baseline="0" cap="none" i="0" spc="0" strike="noStrike" sz="3000" u="none" kumimoji="0" normalizeH="0">
+      <a:defRPr b="0" baseline="0" cap="none" i="0" spc="0" strike="noStrike" sz="3000" u="none" kumimoji="0" normalizeH="0">
         <a:ln>
           <a:noFill/>
         </a:ln>
@@ -171,10 +170,10 @@
             <a:srgbClr val="000000"/>
           </a:solidFill>
         </a:uFill>
-        <a:latin typeface="+mj-lt"/>
-        <a:ea typeface="+mj-ea"/>
-        <a:cs typeface="+mj-cs"/>
-        <a:sym typeface="Helvetica"/>
+        <a:latin typeface="+mn-lt"/>
+        <a:ea typeface="+mn-ea"/>
+        <a:cs typeface="+mn-cs"/>
+        <a:sym typeface="Avenir Roman"/>
       </a:defRPr>
     </a:lvl4pPr>
     <a:lvl5pPr marL="0" marR="0" indent="0" algn="l" defTabSz="457200" rtl="0" fontAlgn="auto" latinLnBrk="0" hangingPunct="0">
@@ -192,7 +191,7 @@
       <a:buFontTx/>
       <a:buNone/>
       <a:tabLst/>
-      <a:defRPr b="1" baseline="0" cap="none" i="0" spc="0" strike="noStrike" sz="3000" u="none" kumimoji="0" normalizeH="0">
+      <a:defRPr b="0" baseline="0" cap="none" i="0" spc="0" strike="noStrike" sz="3000" u="none" kumimoji="0" normalizeH="0">
         <a:ln>
           <a:noFill/>
         </a:ln>
@@ -205,10 +204,10 @@
             <a:srgbClr val="000000"/>
           </a:solidFill>
         </a:uFill>
-        <a:latin typeface="+mj-lt"/>
-        <a:ea typeface="+mj-ea"/>
-        <a:cs typeface="+mj-cs"/>
-        <a:sym typeface="Helvetica"/>
+        <a:latin typeface="+mn-lt"/>
+        <a:ea typeface="+mn-ea"/>
+        <a:cs typeface="+mn-cs"/>
+        <a:sym typeface="Avenir Roman"/>
       </a:defRPr>
     </a:lvl5pPr>
     <a:lvl6pPr marL="0" marR="0" indent="0" algn="l" defTabSz="457200" rtl="0" fontAlgn="auto" latinLnBrk="0" hangingPunct="0">
@@ -226,7 +225,7 @@
       <a:buFontTx/>
       <a:buNone/>
       <a:tabLst/>
-      <a:defRPr b="1" baseline="0" cap="none" i="0" spc="0" strike="noStrike" sz="3000" u="none" kumimoji="0" normalizeH="0">
+      <a:defRPr b="0" baseline="0" cap="none" i="0" spc="0" strike="noStrike" sz="3000" u="none" kumimoji="0" normalizeH="0">
         <a:ln>
           <a:noFill/>
         </a:ln>
@@ -239,10 +238,10 @@
             <a:srgbClr val="000000"/>
           </a:solidFill>
         </a:uFill>
-        <a:latin typeface="+mj-lt"/>
-        <a:ea typeface="+mj-ea"/>
-        <a:cs typeface="+mj-cs"/>
-        <a:sym typeface="Helvetica"/>
+        <a:latin typeface="+mn-lt"/>
+        <a:ea typeface="+mn-ea"/>
+        <a:cs typeface="+mn-cs"/>
+        <a:sym typeface="Avenir Roman"/>
       </a:defRPr>
     </a:lvl6pPr>
     <a:lvl7pPr marL="0" marR="0" indent="0" algn="l" defTabSz="457200" rtl="0" fontAlgn="auto" latinLnBrk="0" hangingPunct="0">
@@ -260,7 +259,7 @@
       <a:buFontTx/>
       <a:buNone/>
       <a:tabLst/>
-      <a:defRPr b="1" baseline="0" cap="none" i="0" spc="0" strike="noStrike" sz="3000" u="none" kumimoji="0" normalizeH="0">
+      <a:defRPr b="0" baseline="0" cap="none" i="0" spc="0" strike="noStrike" sz="3000" u="none" kumimoji="0" normalizeH="0">
         <a:ln>
           <a:noFill/>
         </a:ln>
@@ -273,10 +272,10 @@
             <a:srgbClr val="000000"/>
           </a:solidFill>
         </a:uFill>
-        <a:latin typeface="+mj-lt"/>
-        <a:ea typeface="+mj-ea"/>
-        <a:cs typeface="+mj-cs"/>
-        <a:sym typeface="Helvetica"/>
+        <a:latin typeface="+mn-lt"/>
+        <a:ea typeface="+mn-ea"/>
+        <a:cs typeface="+mn-cs"/>
+        <a:sym typeface="Avenir Roman"/>
       </a:defRPr>
     </a:lvl7pPr>
     <a:lvl8pPr marL="0" marR="0" indent="0" algn="l" defTabSz="457200" rtl="0" fontAlgn="auto" latinLnBrk="0" hangingPunct="0">
@@ -294,7 +293,7 @@
       <a:buFontTx/>
       <a:buNone/>
       <a:tabLst/>
-      <a:defRPr b="1" baseline="0" cap="none" i="0" spc="0" strike="noStrike" sz="3000" u="none" kumimoji="0" normalizeH="0">
+      <a:defRPr b="0" baseline="0" cap="none" i="0" spc="0" strike="noStrike" sz="3000" u="none" kumimoji="0" normalizeH="0">
         <a:ln>
           <a:noFill/>
         </a:ln>
@@ -307,10 +306,10 @@
             <a:srgbClr val="000000"/>
           </a:solidFill>
         </a:uFill>
-        <a:latin typeface="+mj-lt"/>
-        <a:ea typeface="+mj-ea"/>
-        <a:cs typeface="+mj-cs"/>
-        <a:sym typeface="Helvetica"/>
+        <a:latin typeface="+mn-lt"/>
+        <a:ea typeface="+mn-ea"/>
+        <a:cs typeface="+mn-cs"/>
+        <a:sym typeface="Avenir Roman"/>
       </a:defRPr>
     </a:lvl8pPr>
     <a:lvl9pPr marL="0" marR="0" indent="0" algn="l" defTabSz="457200" rtl="0" fontAlgn="auto" latinLnBrk="0" hangingPunct="0">
@@ -328,7 +327,7 @@
       <a:buFontTx/>
       <a:buNone/>
       <a:tabLst/>
-      <a:defRPr b="1" baseline="0" cap="none" i="0" spc="0" strike="noStrike" sz="3000" u="none" kumimoji="0" normalizeH="0">
+      <a:defRPr b="0" baseline="0" cap="none" i="0" spc="0" strike="noStrike" sz="3000" u="none" kumimoji="0" normalizeH="0">
         <a:ln>
           <a:noFill/>
         </a:ln>
@@ -341,10 +340,10 @@
             <a:srgbClr val="000000"/>
           </a:solidFill>
         </a:uFill>
-        <a:latin typeface="+mj-lt"/>
-        <a:ea typeface="+mj-ea"/>
-        <a:cs typeface="+mj-cs"/>
-        <a:sym typeface="Helvetica"/>
+        <a:latin typeface="+mn-lt"/>
+        <a:ea typeface="+mn-ea"/>
+        <a:cs typeface="+mn-cs"/>
+        <a:sym typeface="Avenir Roman"/>
       </a:defRPr>
     </a:lvl9pPr>
   </p:defaultTextStyle>
@@ -548,7 +547,7 @@
       </p:grpSpPr>
       <p:sp>
         <p:nvSpPr>
-          <p:cNvPr id="146" name="Shape 146"/>
+          <p:cNvPr id="140" name="Shape 140"/>
           <p:cNvSpPr/>
           <p:nvPr>
             <p:ph type="sldImg"/>
@@ -569,7 +568,7 @@
       </p:sp>
       <p:sp>
         <p:nvSpPr>
-          <p:cNvPr id="147" name="Shape 147"/>
+          <p:cNvPr id="141" name="Shape 141"/>
           <p:cNvSpPr/>
           <p:nvPr>
             <p:ph type="body" sz="quarter" idx="1"/>
@@ -902,17 +901,17 @@
         </p:nvSpPr>
         <p:spPr>
           <a:xfrm>
-            <a:off x="669726" y="312539"/>
-            <a:ext cx="7804548" cy="1518047"/>
+            <a:off x="669725" y="312538"/>
+            <a:ext cx="7804549" cy="1518048"/>
           </a:xfrm>
           <a:prstGeom prst="rect">
             <a:avLst/>
           </a:prstGeom>
         </p:spPr>
         <p:txBody>
-          <a:bodyPr lIns="35718" tIns="35718" rIns="35718" bIns="35718"/>
+          <a:bodyPr lIns="35717" tIns="35717" rIns="35717" bIns="35717"/>
           <a:lstStyle>
-            <a:lvl1pPr defTabSz="410765">
+            <a:lvl1pPr defTabSz="410764">
               <a:defRPr sz="5600">
                 <a:solidFill>
                   <a:srgbClr val="000080"/>
@@ -939,17 +938,17 @@
         </p:nvSpPr>
         <p:spPr>
           <a:xfrm>
-            <a:off x="669726" y="1830585"/>
-            <a:ext cx="7804548" cy="4420197"/>
+            <a:off x="669725" y="1830584"/>
+            <a:ext cx="7804549" cy="4420198"/>
           </a:xfrm>
           <a:prstGeom prst="rect">
             <a:avLst/>
           </a:prstGeom>
         </p:spPr>
         <p:txBody>
-          <a:bodyPr lIns="35718" tIns="35718" rIns="35718" bIns="35718"/>
+          <a:bodyPr lIns="35717" tIns="35717" rIns="35717" bIns="35717"/>
           <a:lstStyle>
-            <a:lvl1pPr marL="296333" indent="-296333" defTabSz="410765">
+            <a:lvl1pPr defTabSz="410764">
               <a:defRPr>
                 <a:latin typeface="Times New Roman"/>
                 <a:ea typeface="Times New Roman"/>
@@ -957,7 +956,7 @@
                 <a:sym typeface="Times New Roman"/>
               </a:defRPr>
             </a:lvl1pPr>
-            <a:lvl2pPr marL="740833" indent="-296333" defTabSz="410765">
+            <a:lvl2pPr marL="740832" indent="-296332" defTabSz="410764">
               <a:defRPr>
                 <a:latin typeface="Times New Roman"/>
                 <a:ea typeface="Times New Roman"/>
@@ -965,7 +964,7 @@
                 <a:sym typeface="Times New Roman"/>
               </a:defRPr>
             </a:lvl2pPr>
-            <a:lvl3pPr marL="1185333" indent="-296333" defTabSz="410765">
+            <a:lvl3pPr marL="1185332" indent="-296332" defTabSz="410764">
               <a:defRPr>
                 <a:latin typeface="Times New Roman"/>
                 <a:ea typeface="Times New Roman"/>
@@ -973,7 +972,7 @@
                 <a:sym typeface="Times New Roman"/>
               </a:defRPr>
             </a:lvl3pPr>
-            <a:lvl4pPr marL="1629833" indent="-296333" defTabSz="410765">
+            <a:lvl4pPr indent="-296332" defTabSz="410764">
               <a:defRPr>
                 <a:latin typeface="Times New Roman"/>
                 <a:ea typeface="Times New Roman"/>
@@ -981,7 +980,7 @@
                 <a:sym typeface="Times New Roman"/>
               </a:defRPr>
             </a:lvl4pPr>
-            <a:lvl5pPr marL="2074333" indent="-296333" defTabSz="410765">
+            <a:lvl5pPr defTabSz="410764">
               <a:defRPr>
                 <a:latin typeface="Times New Roman"/>
                 <a:ea typeface="Times New Roman"/>
@@ -1032,17 +1031,17 @@
         </p:nvSpPr>
         <p:spPr>
           <a:xfrm>
-            <a:off x="4440732" y="6505277"/>
-            <a:ext cx="253607" cy="249238"/>
+            <a:off x="4440733" y="6505277"/>
+            <a:ext cx="253605" cy="249237"/>
           </a:xfrm>
           <a:prstGeom prst="rect">
             <a:avLst/>
           </a:prstGeom>
         </p:spPr>
         <p:txBody>
-          <a:bodyPr lIns="35718" tIns="35718" rIns="35718" bIns="35718"/>
+          <a:bodyPr lIns="35717" tIns="35717" rIns="35717" bIns="35717"/>
           <a:lstStyle>
-            <a:lvl1pPr defTabSz="410765"/>
+            <a:lvl1pPr defTabSz="410764"/>
           </a:lstStyle>
           <a:p>
             <a:pPr/>
@@ -1086,17 +1085,17 @@
         </p:nvSpPr>
         <p:spPr>
           <a:xfrm>
-            <a:off x="892968" y="1151929"/>
-            <a:ext cx="7358064" cy="2321720"/>
+            <a:off x="892967" y="1151929"/>
+            <a:ext cx="7358066" cy="2321720"/>
           </a:xfrm>
           <a:prstGeom prst="rect">
             <a:avLst/>
           </a:prstGeom>
         </p:spPr>
         <p:txBody>
-          <a:bodyPr lIns="35718" tIns="35718" rIns="35718" bIns="35718" anchor="b"/>
+          <a:bodyPr lIns="35717" tIns="35717" rIns="35717" bIns="35717" anchor="b"/>
           <a:lstStyle>
-            <a:lvl1pPr defTabSz="410765">
+            <a:lvl1pPr defTabSz="410764">
               <a:defRPr sz="5600">
                 <a:solidFill>
                   <a:srgbClr val="000080"/>
@@ -1123,17 +1122,17 @@
         </p:nvSpPr>
         <p:spPr>
           <a:xfrm>
-            <a:off x="892968" y="3536156"/>
-            <a:ext cx="7358064" cy="794743"/>
+            <a:off x="892967" y="3536155"/>
+            <a:ext cx="7358066" cy="794744"/>
           </a:xfrm>
           <a:prstGeom prst="rect">
             <a:avLst/>
           </a:prstGeom>
         </p:spPr>
         <p:txBody>
-          <a:bodyPr lIns="35718" tIns="35718" rIns="35718" bIns="35718" anchor="t"/>
+          <a:bodyPr lIns="35717" tIns="35717" rIns="35717" bIns="35717" anchor="t"/>
           <a:lstStyle>
-            <a:lvl1pPr marL="0" indent="0" algn="ctr" defTabSz="410765">
+            <a:lvl1pPr marL="0" indent="0" algn="ctr" defTabSz="410764">
               <a:spcBef>
                 <a:spcPts val="0"/>
               </a:spcBef>
@@ -1141,7 +1140,7 @@
               <a:buNone/>
               <a:defRPr sz="2200"/>
             </a:lvl1pPr>
-            <a:lvl2pPr marL="0" indent="228600" algn="ctr" defTabSz="410765">
+            <a:lvl2pPr marL="0" indent="0" algn="ctr" defTabSz="410764">
               <a:spcBef>
                 <a:spcPts val="0"/>
               </a:spcBef>
@@ -1149,7 +1148,7 @@
               <a:buNone/>
               <a:defRPr sz="2200"/>
             </a:lvl2pPr>
-            <a:lvl3pPr marL="0" indent="457200" algn="ctr" defTabSz="410765">
+            <a:lvl3pPr marL="0" indent="0" algn="ctr" defTabSz="410764">
               <a:spcBef>
                 <a:spcPts val="0"/>
               </a:spcBef>
@@ -1157,7 +1156,7 @@
               <a:buNone/>
               <a:defRPr sz="2200"/>
             </a:lvl3pPr>
-            <a:lvl4pPr marL="0" indent="685800" algn="ctr" defTabSz="410765">
+            <a:lvl4pPr marL="0" indent="0" algn="ctr" defTabSz="410764">
               <a:spcBef>
                 <a:spcPts val="0"/>
               </a:spcBef>
@@ -1165,7 +1164,7 @@
               <a:buNone/>
               <a:defRPr sz="2200"/>
             </a:lvl4pPr>
-            <a:lvl5pPr marL="0" indent="914400" algn="ctr" defTabSz="410765">
+            <a:lvl5pPr marL="0" indent="0" algn="ctr" defTabSz="410764">
               <a:spcBef>
                 <a:spcPts val="0"/>
               </a:spcBef>
@@ -1216,17 +1215,17 @@
         </p:nvSpPr>
         <p:spPr>
           <a:xfrm>
-            <a:off x="4440732" y="6505277"/>
-            <a:ext cx="253607" cy="249238"/>
+            <a:off x="4440733" y="6505277"/>
+            <a:ext cx="253605" cy="249237"/>
           </a:xfrm>
           <a:prstGeom prst="rect">
             <a:avLst/>
           </a:prstGeom>
         </p:spPr>
         <p:txBody>
-          <a:bodyPr lIns="35718" tIns="35718" rIns="35718" bIns="35718"/>
+          <a:bodyPr lIns="35717" tIns="35717" rIns="35717" bIns="35717"/>
           <a:lstStyle>
-            <a:lvl1pPr defTabSz="410765"/>
+            <a:lvl1pPr defTabSz="410764"/>
           </a:lstStyle>
           <a:p>
             <a:pPr/>
@@ -1270,17 +1269,17 @@
         </p:nvSpPr>
         <p:spPr>
           <a:xfrm>
-            <a:off x="892968" y="1151929"/>
-            <a:ext cx="7358064" cy="2321720"/>
+            <a:off x="892967" y="1151929"/>
+            <a:ext cx="7358066" cy="2321720"/>
           </a:xfrm>
           <a:prstGeom prst="rect">
             <a:avLst/>
           </a:prstGeom>
         </p:spPr>
         <p:txBody>
-          <a:bodyPr lIns="35718" tIns="35718" rIns="35718" bIns="35718" anchor="b"/>
+          <a:bodyPr lIns="35717" tIns="35717" rIns="35717" bIns="35717" anchor="b"/>
           <a:lstStyle>
-            <a:lvl1pPr defTabSz="410765">
+            <a:lvl1pPr defTabSz="410764">
               <a:defRPr b="0" sz="5600">
                 <a:solidFill>
                   <a:srgbClr val="000000"/>
@@ -1311,17 +1310,17 @@
         </p:nvSpPr>
         <p:spPr>
           <a:xfrm>
-            <a:off x="892968" y="3545085"/>
-            <a:ext cx="7358064" cy="794744"/>
+            <a:off x="892967" y="3545085"/>
+            <a:ext cx="7358066" cy="794745"/>
           </a:xfrm>
           <a:prstGeom prst="rect">
             <a:avLst/>
           </a:prstGeom>
         </p:spPr>
         <p:txBody>
-          <a:bodyPr lIns="35718" tIns="35718" rIns="35718" bIns="35718" anchor="t"/>
+          <a:bodyPr lIns="35717" tIns="35717" rIns="35717" bIns="35717" anchor="t"/>
           <a:lstStyle>
-            <a:lvl1pPr marL="0" indent="0" algn="ctr" defTabSz="410765">
+            <a:lvl1pPr marL="0" indent="0" algn="ctr" defTabSz="410764">
               <a:spcBef>
                 <a:spcPts val="0"/>
               </a:spcBef>
@@ -1334,7 +1333,7 @@
                 <a:sym typeface="Helvetica Neue"/>
               </a:defRPr>
             </a:lvl1pPr>
-            <a:lvl2pPr marL="0" indent="0" algn="ctr" defTabSz="410765">
+            <a:lvl2pPr marL="0" indent="0" algn="ctr" defTabSz="410764">
               <a:spcBef>
                 <a:spcPts val="0"/>
               </a:spcBef>
@@ -1347,7 +1346,7 @@
                 <a:sym typeface="Helvetica Neue"/>
               </a:defRPr>
             </a:lvl2pPr>
-            <a:lvl3pPr marL="0" indent="0" algn="ctr" defTabSz="410765">
+            <a:lvl3pPr marL="0" indent="0" algn="ctr" defTabSz="410764">
               <a:spcBef>
                 <a:spcPts val="0"/>
               </a:spcBef>
@@ -1360,7 +1359,7 @@
                 <a:sym typeface="Helvetica Neue"/>
               </a:defRPr>
             </a:lvl3pPr>
-            <a:lvl4pPr marL="0" indent="0" algn="ctr" defTabSz="410765">
+            <a:lvl4pPr marL="0" indent="0" algn="ctr" defTabSz="410764">
               <a:spcBef>
                 <a:spcPts val="0"/>
               </a:spcBef>
@@ -1373,7 +1372,7 @@
                 <a:sym typeface="Helvetica Neue"/>
               </a:defRPr>
             </a:lvl4pPr>
-            <a:lvl5pPr marL="0" indent="0" algn="ctr" defTabSz="410765">
+            <a:lvl5pPr marL="0" indent="0" algn="ctr" defTabSz="410764">
               <a:spcBef>
                 <a:spcPts val="0"/>
               </a:spcBef>
@@ -1429,17 +1428,17 @@
         </p:nvSpPr>
         <p:spPr>
           <a:xfrm>
-            <a:off x="4449876" y="6536531"/>
-            <a:ext cx="239485" cy="232486"/>
+            <a:off x="4449877" y="6536531"/>
+            <a:ext cx="239483" cy="232484"/>
           </a:xfrm>
           <a:prstGeom prst="rect">
             <a:avLst/>
           </a:prstGeom>
         </p:spPr>
         <p:txBody>
-          <a:bodyPr lIns="35718" tIns="35718" rIns="35718" bIns="35718"/>
+          <a:bodyPr lIns="35717" tIns="35717" rIns="35717" bIns="35717"/>
           <a:lstStyle>
-            <a:lvl1pPr defTabSz="410765">
+            <a:lvl1pPr defTabSz="410764">
               <a:defRPr sz="1100">
                 <a:latin typeface="Helvetica Neue Thin"/>
                 <a:ea typeface="Helvetica Neue Thin"/>
@@ -1490,17 +1489,17 @@
         </p:nvSpPr>
         <p:spPr>
           <a:xfrm>
-            <a:off x="669726" y="312539"/>
-            <a:ext cx="7804548" cy="1518047"/>
+            <a:off x="669725" y="312538"/>
+            <a:ext cx="7804549" cy="1518048"/>
           </a:xfrm>
           <a:prstGeom prst="rect">
             <a:avLst/>
           </a:prstGeom>
         </p:spPr>
         <p:txBody>
-          <a:bodyPr lIns="35718" tIns="35718" rIns="35718" bIns="35718"/>
+          <a:bodyPr lIns="35717" tIns="35717" rIns="35717" bIns="35717"/>
           <a:lstStyle>
-            <a:lvl1pPr defTabSz="410765">
+            <a:lvl1pPr defTabSz="410764">
               <a:lnSpc>
                 <a:spcPts val="11600"/>
               </a:lnSpc>
@@ -1527,21 +1526,21 @@
         </p:nvSpPr>
         <p:spPr>
           <a:xfrm>
-            <a:off x="669726" y="1830585"/>
-            <a:ext cx="7804548" cy="4420197"/>
+            <a:off x="669725" y="1830584"/>
+            <a:ext cx="7804549" cy="4420198"/>
           </a:xfrm>
           <a:prstGeom prst="rect">
             <a:avLst/>
           </a:prstGeom>
         </p:spPr>
         <p:txBody>
-          <a:bodyPr lIns="35718" tIns="35718" rIns="35718" bIns="35718"/>
+          <a:bodyPr lIns="35717" tIns="35717" rIns="35717" bIns="35717"/>
           <a:lstStyle>
-            <a:lvl1pPr marL="296333" indent="-296333" defTabSz="410765"/>
-            <a:lvl2pPr marL="740833" indent="-296333" defTabSz="410765"/>
-            <a:lvl3pPr marL="1185333" indent="-296333" defTabSz="410765"/>
-            <a:lvl4pPr marL="1629833" indent="-296333" defTabSz="410765"/>
-            <a:lvl5pPr marL="2074333" indent="-296333" defTabSz="410765"/>
+            <a:lvl1pPr defTabSz="410764"/>
+            <a:lvl2pPr marL="740832" indent="-296332" defTabSz="410764"/>
+            <a:lvl3pPr marL="1185332" indent="-296332" defTabSz="410764"/>
+            <a:lvl4pPr indent="-296332" defTabSz="410764"/>
+            <a:lvl5pPr defTabSz="410764"/>
           </a:lstStyle>
           <a:p>
             <a:pPr/>
@@ -1585,17 +1584,17 @@
         </p:nvSpPr>
         <p:spPr>
           <a:xfrm>
-            <a:off x="4440732" y="6505277"/>
-            <a:ext cx="253607" cy="249238"/>
+            <a:off x="4440733" y="6505277"/>
+            <a:ext cx="253605" cy="249237"/>
           </a:xfrm>
           <a:prstGeom prst="rect">
             <a:avLst/>
           </a:prstGeom>
         </p:spPr>
         <p:txBody>
-          <a:bodyPr lIns="35718" tIns="35718" rIns="35718" bIns="35718"/>
+          <a:bodyPr lIns="35717" tIns="35717" rIns="35717" bIns="35717"/>
           <a:lstStyle>
-            <a:lvl1pPr defTabSz="410765"/>
+            <a:lvl1pPr defTabSz="410764"/>
           </a:lstStyle>
           <a:p>
             <a:pPr/>
@@ -2044,15 +2043,15 @@
         </p:nvSpPr>
         <p:spPr>
           <a:xfrm>
-            <a:off x="669725" y="312538"/>
-            <a:ext cx="7804549" cy="1518048"/>
+            <a:off x="669725" y="312537"/>
+            <a:ext cx="7804550" cy="1518050"/>
           </a:xfrm>
           <a:prstGeom prst="rect">
             <a:avLst/>
           </a:prstGeom>
         </p:spPr>
         <p:txBody>
-          <a:bodyPr lIns="35717" tIns="35717" rIns="35717" bIns="35717"/>
+          <a:bodyPr lIns="35716" tIns="35716" rIns="35716" bIns="35716"/>
           <a:lstStyle>
             <a:lvl1pPr>
               <a:defRPr sz="5600">
@@ -2084,21 +2083,21 @@
         </p:nvSpPr>
         <p:spPr>
           <a:xfrm>
-            <a:off x="669725" y="1830584"/>
-            <a:ext cx="7804549" cy="4420198"/>
+            <a:off x="669725" y="1830583"/>
+            <a:ext cx="7804550" cy="4420200"/>
           </a:xfrm>
           <a:prstGeom prst="rect">
             <a:avLst/>
           </a:prstGeom>
         </p:spPr>
         <p:txBody>
-          <a:bodyPr lIns="35717" tIns="35717" rIns="35717" bIns="35717"/>
+          <a:bodyPr lIns="35716" tIns="35716" rIns="35716" bIns="35716"/>
           <a:lstStyle>
-            <a:lvl1pPr defTabSz="410764"/>
-            <a:lvl2pPr marL="740832" indent="-296332" defTabSz="410764"/>
-            <a:lvl3pPr marL="1185332" indent="-296332" defTabSz="410764"/>
-            <a:lvl4pPr indent="-296332" defTabSz="410764"/>
-            <a:lvl5pPr defTabSz="410764"/>
+            <a:lvl1pPr defTabSz="410763"/>
+            <a:lvl2pPr defTabSz="410763"/>
+            <a:lvl3pPr defTabSz="410763"/>
+            <a:lvl4pPr defTabSz="410763"/>
+            <a:lvl5pPr defTabSz="410763"/>
           </a:lstStyle>
           <a:p>
             <a:pPr/>
@@ -2143,16 +2142,16 @@
         <p:spPr>
           <a:xfrm>
             <a:off x="4440733" y="6505277"/>
-            <a:ext cx="253605" cy="249237"/>
+            <a:ext cx="253604" cy="249235"/>
           </a:xfrm>
           <a:prstGeom prst="rect">
             <a:avLst/>
           </a:prstGeom>
         </p:spPr>
         <p:txBody>
-          <a:bodyPr lIns="35717" tIns="35717" rIns="35717" bIns="35717"/>
+          <a:bodyPr lIns="35716" tIns="35716" rIns="35716" bIns="35716"/>
           <a:lstStyle>
-            <a:lvl1pPr defTabSz="410764"/>
+            <a:lvl1pPr defTabSz="410763"/>
           </a:lstStyle>
           <a:p>
             <a:pPr/>
@@ -2197,16 +2196,16 @@
         <p:spPr>
           <a:xfrm>
             <a:off x="892967" y="1151929"/>
-            <a:ext cx="7358066" cy="2321720"/>
+            <a:ext cx="7358067" cy="2321720"/>
           </a:xfrm>
           <a:prstGeom prst="rect">
             <a:avLst/>
           </a:prstGeom>
         </p:spPr>
         <p:txBody>
-          <a:bodyPr lIns="35717" tIns="35717" rIns="35717" bIns="35717" anchor="b"/>
+          <a:bodyPr lIns="35716" tIns="35716" rIns="35716" bIns="35716" anchor="b"/>
           <a:lstStyle>
-            <a:lvl1pPr defTabSz="410764">
+            <a:lvl1pPr defTabSz="410763">
               <a:defRPr>
                 <a:solidFill>
                   <a:srgbClr val="000080"/>
@@ -2234,16 +2233,16 @@
         <p:spPr>
           <a:xfrm>
             <a:off x="892967" y="3536155"/>
-            <a:ext cx="7358066" cy="794744"/>
+            <a:ext cx="7358067" cy="794745"/>
           </a:xfrm>
           <a:prstGeom prst="rect">
             <a:avLst/>
           </a:prstGeom>
         </p:spPr>
         <p:txBody>
-          <a:bodyPr lIns="35717" tIns="35717" rIns="35717" bIns="35717" anchor="t"/>
+          <a:bodyPr lIns="35716" tIns="35716" rIns="35716" bIns="35716" anchor="t"/>
           <a:lstStyle>
-            <a:lvl1pPr marL="0" indent="0" defTabSz="410764">
+            <a:lvl1pPr marL="0" indent="0" defTabSz="410763">
               <a:spcBef>
                 <a:spcPts val="600"/>
               </a:spcBef>
@@ -2256,7 +2255,7 @@
                 <a:sym typeface="Times New Roman"/>
               </a:defRPr>
             </a:lvl1pPr>
-            <a:lvl2pPr marL="0" indent="0" defTabSz="410764">
+            <a:lvl2pPr marL="0" indent="0" defTabSz="410763">
               <a:spcBef>
                 <a:spcPts val="600"/>
               </a:spcBef>
@@ -2269,7 +2268,7 @@
                 <a:sym typeface="Times New Roman"/>
               </a:defRPr>
             </a:lvl2pPr>
-            <a:lvl3pPr marL="0" indent="0" defTabSz="410764">
+            <a:lvl3pPr marL="0" indent="0" defTabSz="410763">
               <a:spcBef>
                 <a:spcPts val="600"/>
               </a:spcBef>
@@ -2282,7 +2281,7 @@
                 <a:sym typeface="Times New Roman"/>
               </a:defRPr>
             </a:lvl3pPr>
-            <a:lvl4pPr marL="0" indent="0" defTabSz="410764">
+            <a:lvl4pPr marL="0" indent="0" defTabSz="410763">
               <a:spcBef>
                 <a:spcPts val="600"/>
               </a:spcBef>
@@ -2295,7 +2294,7 @@
                 <a:sym typeface="Times New Roman"/>
               </a:defRPr>
             </a:lvl4pPr>
-            <a:lvl5pPr marL="0" indent="0" defTabSz="410764">
+            <a:lvl5pPr marL="0" indent="0" defTabSz="410763">
               <a:spcBef>
                 <a:spcPts val="600"/>
               </a:spcBef>
@@ -2352,16 +2351,16 @@
         <p:spPr>
           <a:xfrm>
             <a:off x="4440733" y="6505277"/>
-            <a:ext cx="253605" cy="249237"/>
+            <a:ext cx="253604" cy="249235"/>
           </a:xfrm>
           <a:prstGeom prst="rect">
             <a:avLst/>
           </a:prstGeom>
         </p:spPr>
         <p:txBody>
-          <a:bodyPr lIns="35717" tIns="35717" rIns="35717" bIns="35717"/>
+          <a:bodyPr lIns="35716" tIns="35716" rIns="35716" bIns="35716"/>
           <a:lstStyle>
-            <a:lvl1pPr defTabSz="410764"/>
+            <a:lvl1pPr defTabSz="410763"/>
           </a:lstStyle>
           <a:p>
             <a:pPr/>
@@ -2405,17 +2404,17 @@
         </p:nvSpPr>
         <p:spPr>
           <a:xfrm>
-            <a:off x="669725" y="312538"/>
-            <a:ext cx="7804549" cy="1518048"/>
+            <a:off x="669725" y="312537"/>
+            <a:ext cx="7804550" cy="1518050"/>
           </a:xfrm>
           <a:prstGeom prst="rect">
             <a:avLst/>
           </a:prstGeom>
         </p:spPr>
         <p:txBody>
-          <a:bodyPr lIns="35717" tIns="35717" rIns="35717" bIns="35717"/>
+          <a:bodyPr lIns="35716" tIns="35716" rIns="35716" bIns="35716"/>
           <a:lstStyle>
-            <a:lvl1pPr defTabSz="410764">
+            <a:lvl1pPr defTabSz="410763">
               <a:defRPr>
                 <a:solidFill>
                   <a:srgbClr val="000080"/>
@@ -2442,21 +2441,21 @@
         </p:nvSpPr>
         <p:spPr>
           <a:xfrm>
-            <a:off x="669725" y="1830584"/>
-            <a:ext cx="7804549" cy="4420198"/>
+            <a:off x="669725" y="1830583"/>
+            <a:ext cx="7804550" cy="4420200"/>
           </a:xfrm>
           <a:prstGeom prst="rect">
             <a:avLst/>
           </a:prstGeom>
         </p:spPr>
         <p:txBody>
-          <a:bodyPr lIns="35717" tIns="35717" rIns="35717" bIns="35717"/>
+          <a:bodyPr lIns="35716" tIns="35716" rIns="35716" bIns="35716"/>
           <a:lstStyle>
-            <a:lvl1pPr defTabSz="410764"/>
-            <a:lvl2pPr marL="740832" indent="-296332" defTabSz="410764"/>
-            <a:lvl3pPr marL="1185332" indent="-296332" defTabSz="410764"/>
-            <a:lvl4pPr indent="-296332" defTabSz="410764"/>
-            <a:lvl5pPr defTabSz="410764"/>
+            <a:lvl1pPr defTabSz="410763"/>
+            <a:lvl2pPr defTabSz="410763"/>
+            <a:lvl3pPr defTabSz="410763"/>
+            <a:lvl4pPr defTabSz="410763"/>
+            <a:lvl5pPr defTabSz="410763"/>
           </a:lstStyle>
           <a:p>
             <a:pPr/>
@@ -2501,16 +2500,16 @@
         <p:spPr>
           <a:xfrm>
             <a:off x="4440733" y="6505277"/>
-            <a:ext cx="253605" cy="249237"/>
+            <a:ext cx="253604" cy="249235"/>
           </a:xfrm>
           <a:prstGeom prst="rect">
             <a:avLst/>
           </a:prstGeom>
         </p:spPr>
         <p:txBody>
-          <a:bodyPr lIns="35717" tIns="35717" rIns="35717" bIns="35717"/>
+          <a:bodyPr lIns="35716" tIns="35716" rIns="35716" bIns="35716"/>
           <a:lstStyle>
-            <a:lvl1pPr defTabSz="410764"/>
+            <a:lvl1pPr defTabSz="410763"/>
           </a:lstStyle>
           <a:p>
             <a:pPr/>
@@ -2555,7 +2554,7 @@
         <p:spPr>
           <a:xfrm>
             <a:off x="685798" y="380999"/>
-            <a:ext cx="7772402" cy="1600201"/>
+            <a:ext cx="7772403" cy="1600201"/>
           </a:xfrm>
           <a:prstGeom prst="rect">
             <a:avLst/>
@@ -2596,7 +2595,7 @@
         <p:spPr>
           <a:xfrm>
             <a:off x="685798" y="1981200"/>
-            <a:ext cx="7772402" cy="4876802"/>
+            <a:ext cx="7772403" cy="4876802"/>
           </a:xfrm>
           <a:prstGeom prst="rect">
             <a:avLst/>
@@ -2618,7 +2617,7 @@
                 <a:sym typeface="Times Roman"/>
               </a:defRPr>
             </a:lvl1pPr>
-            <a:lvl2pPr marL="763359" indent="-306159" defTabSz="914400">
+            <a:lvl2pPr marL="763358" indent="-306158" defTabSz="914400">
               <a:spcBef>
                 <a:spcPts val="700"/>
               </a:spcBef>
@@ -2712,8 +2711,8 @@
         </p:nvSpPr>
         <p:spPr>
           <a:xfrm>
-            <a:off x="8201661" y="6248400"/>
-            <a:ext cx="256539" cy="269238"/>
+            <a:off x="8201664" y="6248400"/>
+            <a:ext cx="256537" cy="269237"/>
           </a:xfrm>
           <a:prstGeom prst="rect">
             <a:avLst/>
@@ -2774,16 +2773,16 @@
         <p:spPr>
           <a:xfrm>
             <a:off x="669725" y="312537"/>
-            <a:ext cx="7804549" cy="1518050"/>
+            <a:ext cx="7804550" cy="1518050"/>
           </a:xfrm>
           <a:prstGeom prst="rect">
             <a:avLst/>
           </a:prstGeom>
         </p:spPr>
         <p:txBody>
-          <a:bodyPr lIns="35717" tIns="35717" rIns="35717" bIns="35717"/>
+          <a:bodyPr lIns="35716" tIns="35716" rIns="35716" bIns="35716"/>
           <a:lstStyle>
-            <a:lvl1pPr defTabSz="410764">
+            <a:lvl1pPr defTabSz="410763">
               <a:defRPr b="0" sz="5400">
                 <a:solidFill>
                   <a:srgbClr val="000000"/>
@@ -2814,29 +2813,29 @@
         </p:nvSpPr>
         <p:spPr>
           <a:xfrm>
-            <a:off x="669725" y="1830584"/>
-            <a:ext cx="7804549" cy="4420198"/>
+            <a:off x="669725" y="1830583"/>
+            <a:ext cx="7804550" cy="4420200"/>
           </a:xfrm>
           <a:prstGeom prst="rect">
             <a:avLst/>
           </a:prstGeom>
         </p:spPr>
         <p:txBody>
-          <a:bodyPr lIns="35717" tIns="35717" rIns="35717" bIns="35717"/>
+          <a:bodyPr lIns="35716" tIns="35716" rIns="35716" bIns="35716"/>
           <a:lstStyle>
-            <a:lvl1pPr marL="271637" indent="-271637" defTabSz="410764">
+            <a:lvl1pPr marL="271637" indent="-271637" defTabSz="410763">
               <a:defRPr sz="2200"/>
             </a:lvl1pPr>
-            <a:lvl2pPr marL="716138" indent="-271638" defTabSz="410764">
+            <a:lvl2pPr marL="716138" indent="-271638" defTabSz="410763">
               <a:defRPr sz="2200"/>
             </a:lvl2pPr>
-            <a:lvl3pPr marL="1160637" indent="-271637" defTabSz="410764">
+            <a:lvl3pPr marL="1160637" indent="-271637" defTabSz="410763">
               <a:defRPr sz="2200"/>
             </a:lvl3pPr>
-            <a:lvl4pPr marL="1605137" indent="-271637" defTabSz="410764">
+            <a:lvl4pPr marL="1605137" indent="-271637" defTabSz="410763">
               <a:defRPr sz="2200"/>
             </a:lvl4pPr>
-            <a:lvl5pPr marL="2049638" indent="-271638" defTabSz="410764">
+            <a:lvl5pPr marL="2049638" indent="-271638" defTabSz="410763">
               <a:defRPr sz="2200"/>
             </a:lvl5pPr>
           </a:lstStyle>
@@ -2882,17 +2881,17 @@
         </p:nvSpPr>
         <p:spPr>
           <a:xfrm>
-            <a:off x="4447793" y="6505277"/>
-            <a:ext cx="239484" cy="236537"/>
+            <a:off x="4447794" y="6505277"/>
+            <a:ext cx="239481" cy="236535"/>
           </a:xfrm>
           <a:prstGeom prst="rect">
             <a:avLst/>
           </a:prstGeom>
         </p:spPr>
         <p:txBody>
-          <a:bodyPr lIns="35717" tIns="35717" rIns="35717" bIns="35717"/>
+          <a:bodyPr lIns="35716" tIns="35716" rIns="35716" bIns="35716"/>
           <a:lstStyle>
-            <a:lvl1pPr defTabSz="410764">
+            <a:lvl1pPr defTabSz="410763">
               <a:defRPr sz="1100"/>
             </a:lvl1pPr>
           </a:lstStyle>
@@ -2938,17 +2937,17 @@
         </p:nvSpPr>
         <p:spPr>
           <a:xfrm>
-            <a:off x="669725" y="312538"/>
-            <a:ext cx="7804549" cy="1518048"/>
+            <a:off x="669725" y="312537"/>
+            <a:ext cx="7804550" cy="1518050"/>
           </a:xfrm>
           <a:prstGeom prst="rect">
             <a:avLst/>
           </a:prstGeom>
         </p:spPr>
         <p:txBody>
-          <a:bodyPr lIns="35717" tIns="35717" rIns="35717" bIns="35717"/>
+          <a:bodyPr lIns="35716" tIns="35716" rIns="35716" bIns="35716"/>
           <a:lstStyle>
-            <a:lvl1pPr defTabSz="410764">
+            <a:lvl1pPr defTabSz="410763">
               <a:defRPr>
                 <a:solidFill>
                   <a:srgbClr val="000080"/>
@@ -2975,21 +2974,21 @@
         </p:nvSpPr>
         <p:spPr>
           <a:xfrm>
-            <a:off x="669725" y="1830584"/>
-            <a:ext cx="7804549" cy="4420198"/>
+            <a:off x="669725" y="1830583"/>
+            <a:ext cx="7804550" cy="4420200"/>
           </a:xfrm>
           <a:prstGeom prst="rect">
             <a:avLst/>
           </a:prstGeom>
         </p:spPr>
         <p:txBody>
-          <a:bodyPr lIns="35717" tIns="35717" rIns="35717" bIns="35717"/>
+          <a:bodyPr lIns="35716" tIns="35716" rIns="35716" bIns="35716"/>
           <a:lstStyle>
-            <a:lvl1pPr defTabSz="410764"/>
-            <a:lvl2pPr marL="740832" indent="-296332" defTabSz="410764"/>
-            <a:lvl3pPr marL="1185332" indent="-296332" defTabSz="410764"/>
-            <a:lvl4pPr indent="-296332" defTabSz="410764"/>
-            <a:lvl5pPr defTabSz="410764"/>
+            <a:lvl1pPr defTabSz="410763"/>
+            <a:lvl2pPr defTabSz="410763"/>
+            <a:lvl3pPr defTabSz="410763"/>
+            <a:lvl4pPr defTabSz="410763"/>
+            <a:lvl5pPr defTabSz="410763"/>
           </a:lstStyle>
           <a:p>
             <a:pPr/>
@@ -3034,16 +3033,16 @@
         <p:spPr>
           <a:xfrm>
             <a:off x="4440733" y="6505277"/>
-            <a:ext cx="253605" cy="249237"/>
+            <a:ext cx="253604" cy="249235"/>
           </a:xfrm>
           <a:prstGeom prst="rect">
             <a:avLst/>
           </a:prstGeom>
         </p:spPr>
         <p:txBody>
-          <a:bodyPr lIns="35717" tIns="35717" rIns="35717" bIns="35717"/>
+          <a:bodyPr lIns="35716" tIns="35716" rIns="35716" bIns="35716"/>
           <a:lstStyle>
-            <a:lvl1pPr defTabSz="410764"/>
+            <a:lvl1pPr defTabSz="410763"/>
           </a:lstStyle>
           <a:p>
             <a:pPr/>
@@ -3194,8 +3193,8 @@
         </p:nvSpPr>
         <p:spPr>
           <a:xfrm>
-            <a:off x="4440733" y="6505277"/>
-            <a:ext cx="253604" cy="249235"/>
+            <a:off x="4440734" y="6505277"/>
+            <a:ext cx="253602" cy="249233"/>
           </a:xfrm>
           <a:prstGeom prst="rect">
             <a:avLst/>
@@ -3213,7 +3212,7 @@
               <a:spcBef>
                 <a:spcPts val="0"/>
               </a:spcBef>
-              <a:defRPr b="0" sz="1200">
+              <a:defRPr sz="1200">
                 <a:uFillTx/>
                 <a:latin typeface="Helvetica Light"/>
                 <a:ea typeface="Helvetica Light"/>
@@ -4034,90 +4033,28 @@
         <p:txBody>
           <a:bodyPr lIns="45718" tIns="45718" rIns="45718" bIns="45718"/>
           <a:lstStyle>
-            <a:lvl1pPr defTabSz="269747">
-              <a:defRPr sz="4719"/>
+            <a:lvl1pPr defTabSz="196595">
+              <a:defRPr sz="3400"/>
             </a:lvl1pPr>
           </a:lstStyle>
           <a:p>
             <a:pPr/>
             <a:r>
-              <a:t>1.3.4 Lecture slides with audio</a:t>
+              <a:t>Lecture: 1.3.4. Slouching Towards Utopia?</a:t>
             </a:r>
           </a:p>
         </p:txBody>
       </p:sp>
-      <p:pic>
-        <p:nvPicPr>
-          <p:cNvPr id="136" name="Image" descr="Image">
-            <a:hlinkClick r:id="rId2" invalidUrl="" action="" tgtFrame="" tooltip="" history="1" highlightClick="0" endSnd="0"/>
-          </p:cNvPr>
-          <p:cNvPicPr>
-            <a:picLocks noChangeAspect="1"/>
-          </p:cNvPicPr>
-          <p:nvPr/>
-        </p:nvPicPr>
-        <p:blipFill>
-          <a:blip r:embed="rId3">
-            <a:extLst/>
-          </a:blip>
-          <a:stretch>
-            <a:fillRect/>
-          </a:stretch>
-        </p:blipFill>
-        <p:spPr>
-          <a:xfrm>
-            <a:off x="5827563" y="1142997"/>
-            <a:ext cx="3175001" cy="3175000"/>
-          </a:xfrm>
-          <a:prstGeom prst="rect">
-            <a:avLst/>
-          </a:prstGeom>
-          <a:ln w="12700">
-            <a:miter lim="400000"/>
-          </a:ln>
-        </p:spPr>
-      </p:pic>
-      <p:pic>
-        <p:nvPicPr>
-          <p:cNvPr id="137" name="Image" descr="Image">
-            <a:hlinkClick r:id="rId4" invalidUrl="" action="" tgtFrame="" tooltip="" history="1" highlightClick="0" endSnd="0"/>
-          </p:cNvPr>
-          <p:cNvPicPr>
-            <a:picLocks noChangeAspect="1"/>
-          </p:cNvPicPr>
-          <p:nvPr/>
-        </p:nvPicPr>
-        <p:blipFill>
-          <a:blip r:embed="rId5">
-            <a:extLst/>
-          </a:blip>
-          <a:stretch>
-            <a:fillRect/>
-          </a:stretch>
-        </p:blipFill>
-        <p:spPr>
-          <a:xfrm>
-            <a:off x="5827563" y="4298672"/>
-            <a:ext cx="3175001" cy="2241827"/>
-          </a:xfrm>
-          <a:prstGeom prst="rect">
-            <a:avLst/>
-          </a:prstGeom>
-          <a:ln w="12700">
-            <a:miter lim="400000"/>
-          </a:ln>
-        </p:spPr>
-      </p:pic>
       <p:sp>
         <p:nvSpPr>
-          <p:cNvPr id="138" name="Link"/>
+          <p:cNvPr id="136" name="3:00 of audio in this slide; 9:30 in this slide group"/>
           <p:cNvSpPr txBox="1"/>
           <p:nvPr/>
         </p:nvSpPr>
         <p:spPr>
           <a:xfrm>
-            <a:off x="5827563" y="4029435"/>
-            <a:ext cx="417420" cy="269237"/>
+            <a:off x="4381500" y="6540496"/>
+            <a:ext cx="4762500" cy="574037"/>
           </a:xfrm>
           <a:prstGeom prst="rect">
             <a:avLst/>
@@ -4132,36 +4069,37 @@
           </a:extLst>
         </p:spPr>
         <p:txBody>
-          <a:bodyPr wrap="none" lIns="45718" tIns="45718" rIns="45718" bIns="45718">
+          <a:bodyPr lIns="45718" tIns="45718" rIns="45718" bIns="45718">
             <a:spAutoFit/>
           </a:bodyPr>
           <a:lstStyle>
-            <a:lvl1pPr>
-              <a:defRPr sz="1200">
-                <a:solidFill>
-                  <a:srgbClr val="00BFFF"/>
-                </a:solidFill>
+            <a:lvl1pPr algn="r">
+              <a:defRPr b="1" sz="1600">
+                <a:latin typeface="+mj-lt"/>
+                <a:ea typeface="+mj-ea"/>
+                <a:cs typeface="+mj-cs"/>
+                <a:sym typeface="Helvetica"/>
               </a:defRPr>
             </a:lvl1pPr>
           </a:lstStyle>
           <a:p>
             <a:pPr/>
             <a:r>
-              <a:t>Link</a:t>
+              <a:t>3:00 of audio in this slide; 9:30 in this slide group</a:t>
             </a:r>
           </a:p>
         </p:txBody>
       </p:sp>
       <p:sp>
         <p:nvSpPr>
-          <p:cNvPr id="139" name="Link"/>
+          <p:cNvPr id="137" name="The long 20th century will in all likelihood be seen in the future as the watershed in human experience:…"/>
           <p:cNvSpPr txBox="1"/>
           <p:nvPr/>
         </p:nvSpPr>
         <p:spPr>
           <a:xfrm>
-            <a:off x="5827563" y="6271261"/>
-            <a:ext cx="417420" cy="269237"/>
+            <a:off x="112562" y="1142996"/>
+            <a:ext cx="5899563" cy="5440047"/>
           </a:xfrm>
           <a:prstGeom prst="rect">
             <a:avLst/>
@@ -4176,69 +4114,17 @@
           </a:extLst>
         </p:spPr>
         <p:txBody>
-          <a:bodyPr wrap="none" lIns="45718" tIns="45718" rIns="45718" bIns="45718">
+          <a:bodyPr lIns="45718" tIns="45718" rIns="45718" bIns="45718">
             <a:spAutoFit/>
           </a:bodyPr>
-          <a:lstStyle>
-            <a:lvl1pPr>
-              <a:defRPr sz="1200">
-                <a:solidFill>
-                  <a:srgbClr val="00BFFF"/>
-                </a:solidFill>
-              </a:defRPr>
-            </a:lvl1pPr>
-          </a:lstStyle>
-          <a:p>
-            <a:pPr/>
-            <a:r>
-              <a:t>Link</a:t>
-            </a:r>
-          </a:p>
-        </p:txBody>
-      </p:sp>
-      <p:sp>
-        <p:nvSpPr>
-          <p:cNvPr id="140" name="The long 20th century will in all likelihood be seen in the future as the watershed in human experience:…"/>
-          <p:cNvSpPr txBox="1"/>
-          <p:nvPr>
-            <p:ph type="body" idx="4294967295"/>
-          </p:nvPr>
-        </p:nvSpPr>
-        <p:spPr>
-          <a:xfrm>
-            <a:off x="112563" y="1142997"/>
-            <a:ext cx="5715001" cy="5397501"/>
-          </a:xfrm>
-          <a:prstGeom prst="rect">
-            <a:avLst/>
-          </a:prstGeom>
-        </p:spPr>
-        <p:txBody>
-          <a:bodyPr lIns="45718" tIns="45718" rIns="45718" bIns="45718" anchor="t">
-            <a:noAutofit/>
-          </a:bodyPr>
           <a:lstStyle/>
           <a:p>
-            <a:pPr lvl="1" marL="0" indent="0" defTabSz="370331">
+            <a:pPr defTabSz="410763">
               <a:spcBef>
-                <a:spcPts val="0"/>
+                <a:spcPts val="700"/>
               </a:spcBef>
-              <a:buSzTx/>
-              <a:buNone/>
-              <a:tabLst>
-                <a:tab pos="215900" algn="l"/>
-              </a:tabLst>
-              <a:defRPr sz="3000">
-                <a:solidFill>
-                  <a:schemeClr val="accent3">
-                    <a:lumOff val="-11215"/>
-                  </a:schemeClr>
-                </a:solidFill>
-                <a:uFill>
-                  <a:solidFill>
-                    <a:srgbClr val="000000"/>
-                  </a:solidFill>
-                </a:uFill>
+              <a:defRPr b="1" sz="2000">
+                <a:uFillTx/>
                 <a:latin typeface="Times New Roman"/>
                 <a:ea typeface="Times New Roman"/>
                 <a:cs typeface="Times New Roman"/>
@@ -4246,30 +4132,20 @@
               </a:defRPr>
             </a:pPr>
             <a:r>
-              <a:t>Grand growth narrative</a:t>
-            </a:r>
-          </a:p>
-          <a:p>
-            <a:pPr lvl="1" marL="0" indent="0" defTabSz="370331">
+              <a:t>The first century in which we can think that a truly human world may soon be within our grasp…</a:t>
+            </a:r>
+          </a:p>
+          <a:p>
+            <a:pPr marL="190500" indent="-190500" defTabSz="370331">
               <a:spcBef>
-                <a:spcPts val="0"/>
+                <a:spcPts val="700"/>
               </a:spcBef>
-              <a:buSzTx/>
-              <a:buNone/>
+              <a:buSzPct val="100000"/>
+              <a:buChar char="•"/>
               <a:tabLst>
                 <a:tab pos="215900" algn="l"/>
               </a:tabLst>
-              <a:defRPr sz="3000">
-                <a:solidFill>
-                  <a:schemeClr val="accent3">
-                    <a:lumOff val="-11215"/>
-                  </a:schemeClr>
-                </a:solidFill>
-                <a:uFill>
-                  <a:solidFill>
-                    <a:srgbClr val="000000"/>
-                  </a:solidFill>
-                </a:uFill>
+              <a:defRPr sz="2000">
                 <a:latin typeface="Times New Roman"/>
                 <a:ea typeface="Times New Roman"/>
                 <a:cs typeface="Times New Roman"/>
@@ -4277,30 +4153,20 @@
               </a:defRPr>
             </a:pPr>
             <a:r>
-              <a:t>Inequality &amp; humanity</a:t>
-            </a:r>
-          </a:p>
-          <a:p>
-            <a:pPr lvl="1" marL="0" indent="0" defTabSz="370331">
+              <a:t>Amazingly productive human accomplishments</a:t>
+            </a:r>
+          </a:p>
+          <a:p>
+            <a:pPr marL="190500" indent="-190500" defTabSz="370331">
               <a:spcBef>
-                <a:spcPts val="0"/>
+                <a:spcPts val="700"/>
               </a:spcBef>
-              <a:buSzTx/>
-              <a:buNone/>
+              <a:buSzPct val="100000"/>
+              <a:buChar char="•"/>
               <a:tabLst>
                 <a:tab pos="215900" algn="l"/>
               </a:tabLst>
-              <a:defRPr sz="3000">
-                <a:solidFill>
-                  <a:schemeClr val="accent3">
-                    <a:lumOff val="-11215"/>
-                  </a:schemeClr>
-                </a:solidFill>
-                <a:uFill>
-                  <a:solidFill>
-                    <a:srgbClr val="000000"/>
-                  </a:solidFill>
-                </a:uFill>
+              <a:defRPr sz="2000">
                 <a:latin typeface="Times New Roman"/>
                 <a:ea typeface="Times New Roman"/>
                 <a:cs typeface="Times New Roman"/>
@@ -4308,25 +4174,20 @@
               </a:defRPr>
             </a:pPr>
             <a:r>
-              <a:t>What has gone badly wrong</a:t>
-            </a:r>
-          </a:p>
-          <a:p>
-            <a:pPr lvl="1" marL="0" indent="0" defTabSz="370331">
+              <a:t>A great deal of increase in and spread of human freedom</a:t>
+            </a:r>
+          </a:p>
+          <a:p>
+            <a:pPr marL="190500" indent="-190500" defTabSz="370331">
               <a:spcBef>
-                <a:spcPts val="0"/>
+                <a:spcPts val="700"/>
               </a:spcBef>
-              <a:buSzTx/>
-              <a:buNone/>
+              <a:buSzPct val="100000"/>
+              <a:buChar char="•"/>
               <a:tabLst>
                 <a:tab pos="215900" algn="l"/>
               </a:tabLst>
-              <a:defRPr b="1" sz="3000">
-                <a:uFill>
-                  <a:solidFill>
-                    <a:srgbClr val="000000"/>
-                  </a:solidFill>
-                </a:uFill>
+              <a:defRPr sz="2000">
                 <a:latin typeface="Times New Roman"/>
                 <a:ea typeface="Times New Roman"/>
                 <a:cs typeface="Times New Roman"/>
@@ -4334,24 +4195,20 @@
               </a:defRPr>
             </a:pPr>
             <a:r>
-              <a:t>Slouching towards utopia?</a:t>
-            </a:r>
-          </a:p>
-          <a:p>
-            <a:pPr lvl="1" marL="228600" indent="-228600" defTabSz="370331">
+              <a:t>But a lot has gone wrong in the process</a:t>
+            </a:r>
+          </a:p>
+          <a:p>
+            <a:pPr lvl="1" marL="381000" indent="-190500" defTabSz="370331">
               <a:spcBef>
-                <a:spcPts val="1200"/>
+                <a:spcPts val="700"/>
               </a:spcBef>
               <a:buSzPct val="100000"/>
+              <a:buChar char="•"/>
               <a:tabLst>
                 <a:tab pos="215900" algn="l"/>
               </a:tabLst>
-              <a:defRPr b="1" sz="1500">
-                <a:uFill>
-                  <a:solidFill>
-                    <a:srgbClr val="000000"/>
-                  </a:solidFill>
-                </a:uFill>
+              <a:defRPr sz="2000">
                 <a:latin typeface="Times New Roman"/>
                 <a:ea typeface="Times New Roman"/>
                 <a:cs typeface="Times New Roman"/>
@@ -4359,34 +4216,307 @@
               </a:defRPr>
             </a:pPr>
             <a:r>
-              <a:t>&lt;</a:t>
-            </a:r>
-            <a:r>
-              <a:rPr u="sng">
-                <a:solidFill>
-                  <a:srgbClr val="0000FF"/>
-                </a:solidFill>
-                <a:uFill>
-                  <a:solidFill>
-                    <a:srgbClr val="0000FF"/>
-                  </a:solidFill>
-                </a:uFill>
-                <a:hlinkClick r:id="rId6" invalidUrl="" action="" tgtFrame="" tooltip="" history="1" highlightClick="0" endSnd="0"/>
-              </a:rPr>
-              <a:t>https://github.com/braddelong/public-files/blob/master/econ-115-module-1-lecture-3.4-slouching-%23tceh.pptx</a:t>
-            </a:r>
-            <a:r>
-              <a:t>&gt;</a:t>
+              <a:t>War and tyranny</a:t>
+            </a:r>
+          </a:p>
+          <a:p>
+            <a:pPr lvl="1" marL="381000" indent="-190500" defTabSz="370331">
+              <a:spcBef>
+                <a:spcPts val="700"/>
+              </a:spcBef>
+              <a:buSzPct val="100000"/>
+              <a:buChar char="•"/>
+              <a:tabLst>
+                <a:tab pos="215900" algn="l"/>
+              </a:tabLst>
+              <a:defRPr sz="2000">
+                <a:latin typeface="Times New Roman"/>
+                <a:ea typeface="Times New Roman"/>
+                <a:cs typeface="Times New Roman"/>
+                <a:sym typeface="Times New Roman"/>
+              </a:defRPr>
+            </a:pPr>
+            <a:r>
+              <a:t>Slow technological and organizational diffusion</a:t>
+            </a:r>
+          </a:p>
+          <a:p>
+            <a:pPr lvl="1" marL="381000" indent="-190500" defTabSz="370331">
+              <a:spcBef>
+                <a:spcPts val="700"/>
+              </a:spcBef>
+              <a:buSzPct val="100000"/>
+              <a:buChar char="•"/>
+              <a:tabLst>
+                <a:tab pos="215900" algn="l"/>
+              </a:tabLst>
+              <a:defRPr sz="2000">
+                <a:latin typeface="Times New Roman"/>
+                <a:ea typeface="Times New Roman"/>
+                <a:cs typeface="Times New Roman"/>
+                <a:sym typeface="Times New Roman"/>
+              </a:defRPr>
+            </a:pPr>
+            <a:r>
+              <a:t>The development of underdevelopment</a:t>
+            </a:r>
+          </a:p>
+          <a:p>
+            <a:pPr lvl="1" marL="381000" indent="-190500" defTabSz="370331">
+              <a:spcBef>
+                <a:spcPts val="700"/>
+              </a:spcBef>
+              <a:buSzPct val="100000"/>
+              <a:buChar char="•"/>
+              <a:tabLst>
+                <a:tab pos="215900" algn="l"/>
+              </a:tabLst>
+              <a:defRPr sz="2000">
+                <a:latin typeface="Times New Roman"/>
+                <a:ea typeface="Times New Roman"/>
+                <a:cs typeface="Times New Roman"/>
+                <a:sym typeface="Times New Roman"/>
+              </a:defRPr>
+            </a:pPr>
+            <a:r>
+              <a:t>Wealth gulfs</a:t>
+            </a:r>
+          </a:p>
+          <a:p>
+            <a:pPr marL="190500" indent="-190500" defTabSz="370331">
+              <a:spcBef>
+                <a:spcPts val="700"/>
+              </a:spcBef>
+              <a:buSzPct val="100000"/>
+              <a:buChar char="•"/>
+              <a:tabLst>
+                <a:tab pos="215900" algn="l"/>
+              </a:tabLst>
+              <a:defRPr sz="2000">
+                <a:latin typeface="Times New Roman"/>
+                <a:ea typeface="Times New Roman"/>
+                <a:cs typeface="Times New Roman"/>
+                <a:sym typeface="Times New Roman"/>
+              </a:defRPr>
+            </a:pPr>
+            <a:r>
+              <a:t>So what do we need other than material abundance to build a utopia?</a:t>
+            </a:r>
+          </a:p>
+          <a:p>
+            <a:pPr lvl="1" marL="381000" indent="-190500" defTabSz="370331">
+              <a:spcBef>
+                <a:spcPts val="700"/>
+              </a:spcBef>
+              <a:buSzPct val="100000"/>
+              <a:buChar char="•"/>
+              <a:tabLst>
+                <a:tab pos="215900" algn="l"/>
+              </a:tabLst>
+              <a:defRPr sz="2000">
+                <a:latin typeface="Times New Roman"/>
+                <a:ea typeface="Times New Roman"/>
+                <a:cs typeface="Times New Roman"/>
+                <a:sym typeface="Times New Roman"/>
+              </a:defRPr>
+            </a:pPr>
+            <a:r>
+              <a:t>Does Keynes have anything to tell us?</a:t>
+            </a:r>
+          </a:p>
+          <a:p>
+            <a:pPr lvl="1" marL="381000" indent="-190500" defTabSz="370331">
+              <a:spcBef>
+                <a:spcPts val="700"/>
+              </a:spcBef>
+              <a:buSzPct val="100000"/>
+              <a:buChar char="•"/>
+              <a:tabLst>
+                <a:tab pos="215900" algn="l"/>
+              </a:tabLst>
+              <a:defRPr sz="2000">
+                <a:latin typeface="Times New Roman"/>
+                <a:ea typeface="Times New Roman"/>
+                <a:cs typeface="Times New Roman"/>
+                <a:sym typeface="Times New Roman"/>
+              </a:defRPr>
+            </a:pPr>
+            <a:r>
+              <a:t>Does Diamond?</a:t>
+            </a:r>
+          </a:p>
+          <a:p>
+            <a:pPr lvl="1" marL="381000" indent="-190500" defTabSz="370331">
+              <a:spcBef>
+                <a:spcPts val="700"/>
+              </a:spcBef>
+              <a:buSzPct val="100000"/>
+              <a:buChar char="•"/>
+              <a:tabLst>
+                <a:tab pos="215900" algn="l"/>
+              </a:tabLst>
+              <a:defRPr sz="2000">
+                <a:latin typeface="Times New Roman"/>
+                <a:ea typeface="Times New Roman"/>
+                <a:cs typeface="Times New Roman"/>
+                <a:sym typeface="Times New Roman"/>
+              </a:defRPr>
+            </a:pPr>
+            <a:r>
+              <a:t>Deos Bellamy?</a:t>
             </a:r>
           </a:p>
         </p:txBody>
       </p:sp>
+      <p:pic>
+        <p:nvPicPr>
+          <p:cNvPr id="138" name="Image" descr="Image"/>
+          <p:cNvPicPr>
+            <a:picLocks noChangeAspect="1"/>
+          </p:cNvPicPr>
+          <p:nvPr/>
+        </p:nvPicPr>
+        <p:blipFill>
+          <a:blip r:embed="rId3">
+            <a:extLst/>
+          </a:blip>
+          <a:srcRect l="0" t="24642" r="0" b="0"/>
+          <a:stretch>
+            <a:fillRect/>
+          </a:stretch>
+        </p:blipFill>
+        <p:spPr>
+          <a:xfrm>
+            <a:off x="6012124" y="1142997"/>
+            <a:ext cx="2990441" cy="5397624"/>
+          </a:xfrm>
+          <a:prstGeom prst="rect">
+            <a:avLst/>
+          </a:prstGeom>
+          <a:ln w="12700">
+            <a:miter lim="400000"/>
+          </a:ln>
+        </p:spPr>
+      </p:pic>
+      <p:pic>
+        <p:nvPicPr>
+          <p:cNvPr id="139" name="Audio Recording.m4a" descr="Audio Recording.m4a"/>
+          <p:cNvPicPr>
+            <a:picLocks noChangeAspect="0"/>
+          </p:cNvPicPr>
+          <p:nvPr>
+            <a:audioFile r:link="rId4"/>
+            <p:extLst>
+              <p:ext uri="{DAA4B4D4-6D71-4841-9C94-3DE7FCFB9230}">
+                <p14:media xmlns:p14="http://schemas.microsoft.com/office/powerpoint/2010/main" r:embed="rId5"/>
+              </p:ext>
+            </p:extLst>
+          </p:nvPr>
+        </p:nvPicPr>
+        <p:blipFill>
+          <a:blip r:embed="rId6">
+            <a:extLst/>
+          </a:blip>
+          <a:stretch>
+            <a:fillRect/>
+          </a:stretch>
+        </p:blipFill>
+        <p:spPr>
+          <a:xfrm>
+            <a:off x="7095344" y="3266606"/>
+            <a:ext cx="571501" cy="571501"/>
+          </a:xfrm>
+          <a:prstGeom prst="rect">
+            <a:avLst/>
+          </a:prstGeom>
+          <a:ln w="12700">
+            <a:miter lim="400000"/>
+          </a:ln>
+        </p:spPr>
+      </p:pic>
     </p:spTree>
   </p:cSld>
   <p:clrMapOvr>
     <a:masterClrMapping/>
   </p:clrMapOvr>
   <p:transition xmlns:p14="http://schemas.microsoft.com/office/powerpoint/2010/main" spd="med" advClick="1"/>
+  <p:timing>
+    <p:tnLst>
+      <p:par>
+        <p:cTn id="1" nodeType="tmRoot" restart="never" dur="indefinite" fill="hold">
+          <p:childTnLst>
+            <p:seq concurrent="1" prevAc="none" nextAc="seek">
+              <p:cTn id="2" nodeType="mainSeq" dur="indefinite" fill="hold">
+                <p:childTnLst>
+                  <p:par>
+                    <p:cTn id="3" fill="hold">
+                      <p:stCondLst>
+                        <p:cond delay="indefinite"/>
+                      </p:stCondLst>
+                      <p:childTnLst>
+                        <p:par>
+                          <p:cTn id="4" fill="hold">
+                            <p:stCondLst>
+                              <p:cond delay="0"/>
+                            </p:stCondLst>
+                            <p:childTnLst>
+                              <p:par>
+                                <p:cTn id="5" presetClass="mediacall" nodeType="clickEffect" presetSubtype="0" presetID="1" grpId="1" fill="hold">
+                                  <p:stCondLst>
+                                    <p:cond delay="0"/>
+                                  </p:stCondLst>
+                                  <p:childTnLst>
+                                    <p:cmd type="call" cmd="playFrom(0.0)">
+                                      <p:cBhvr>
+                                        <p:cTn id="6" dur="269513336" fill="hold"/>
+                                        <p:tgtEl>
+                                          <p:spTgt spid="139"/>
+                                        </p:tgtEl>
+                                      </p:cBhvr>
+                                    </p:cmd>
+                                  </p:childTnLst>
+                                </p:cTn>
+                              </p:par>
+                            </p:childTnLst>
+                          </p:cTn>
+                        </p:par>
+                      </p:childTnLst>
+                    </p:cTn>
+                  </p:par>
+                </p:childTnLst>
+              </p:cTn>
+              <p:prevCondLst>
+                <p:cond evt="onPrev">
+                  <p:tgtEl>
+                    <p:sldTgt/>
+                  </p:tgtEl>
+                </p:cond>
+              </p:prevCondLst>
+              <p:nextCondLst>
+                <p:cond evt="onNext">
+                  <p:tgtEl>
+                    <p:sldTgt/>
+                  </p:tgtEl>
+                </p:cond>
+              </p:nextCondLst>
+            </p:seq>
+            <p:audio isNarration="0">
+              <p:cMediaNode mute="0" showWhenStopped="0" numSld="1" vol="100000">
+                <p:cTn id="7" fill="hold" display="0">
+                  <p:stCondLst>
+                    <p:cond delay="indefinite"/>
+                  </p:stCondLst>
+                </p:cTn>
+                <p:tgtEl>
+                  <p:spTgt spid="139"/>
+                </p:tgtEl>
+              </p:cMediaNode>
+            </p:audio>
+          </p:childTnLst>
+        </p:cTn>
+      </p:par>
+    </p:tnLst>
+  </p:timing>
 </p:sld>
 </file>
 
@@ -4409,411 +4539,7 @@
       </p:grpSpPr>
       <p:sp>
         <p:nvSpPr>
-          <p:cNvPr id="142" name="About the Course"/>
-          <p:cNvSpPr txBox="1"/>
-          <p:nvPr>
-            <p:ph type="title" idx="4294967295"/>
-          </p:nvPr>
-        </p:nvSpPr>
-        <p:spPr>
-          <a:xfrm>
-            <a:off x="112563" y="-3"/>
-            <a:ext cx="8890001" cy="1143001"/>
-          </a:xfrm>
-          <a:prstGeom prst="rect">
-            <a:avLst/>
-          </a:prstGeom>
-        </p:spPr>
-        <p:txBody>
-          <a:bodyPr lIns="45718" tIns="45718" rIns="45718" bIns="45718"/>
-          <a:lstStyle>
-            <a:lvl1pPr defTabSz="196596">
-              <a:defRPr sz="3440"/>
-            </a:lvl1pPr>
-          </a:lstStyle>
-          <a:p>
-            <a:pPr/>
-            <a:r>
-              <a:t>Lecture: 1.3.4. Slouching Towards Utopia?</a:t>
-            </a:r>
-          </a:p>
-        </p:txBody>
-      </p:sp>
-      <p:sp>
-        <p:nvSpPr>
-          <p:cNvPr id="143" name="3:00 of audio in this slide; 9:30 in this slide group"/>
-          <p:cNvSpPr txBox="1"/>
-          <p:nvPr/>
-        </p:nvSpPr>
-        <p:spPr>
-          <a:xfrm>
-            <a:off x="4381500" y="6540497"/>
-            <a:ext cx="4762500" cy="574037"/>
-          </a:xfrm>
-          <a:prstGeom prst="rect">
-            <a:avLst/>
-          </a:prstGeom>
-          <a:ln w="12700">
-            <a:miter lim="400000"/>
-          </a:ln>
-          <a:extLst>
-            <a:ext uri="{C572A759-6A51-4108-AA02-DFA0A04FC94B}">
-              <ma14:wrappingTextBoxFlag xmlns:ma14="http://schemas.microsoft.com/office/mac/drawingml/2011/main" val="1"/>
-            </a:ext>
-          </a:extLst>
-        </p:spPr>
-        <p:txBody>
-          <a:bodyPr lIns="45718" tIns="45718" rIns="45718" bIns="45718">
-            <a:spAutoFit/>
-          </a:bodyPr>
-          <a:lstStyle>
-            <a:lvl1pPr algn="r">
-              <a:defRPr sz="1600"/>
-            </a:lvl1pPr>
-          </a:lstStyle>
-          <a:p>
-            <a:pPr/>
-            <a:r>
-              <a:t>3:00 of audio in this slide; 9:30 in this slide group</a:t>
-            </a:r>
-          </a:p>
-        </p:txBody>
-      </p:sp>
-      <p:sp>
-        <p:nvSpPr>
-          <p:cNvPr id="144" name="The long 20th century will in all likelihood be seen in the future as the watershed in human experience:…"/>
-          <p:cNvSpPr txBox="1"/>
-          <p:nvPr/>
-        </p:nvSpPr>
-        <p:spPr>
-          <a:xfrm>
-            <a:off x="112563" y="1142997"/>
-            <a:ext cx="6182122" cy="5397501"/>
-          </a:xfrm>
-          <a:prstGeom prst="rect">
-            <a:avLst/>
-          </a:prstGeom>
-          <a:ln w="12700">
-            <a:miter lim="400000"/>
-          </a:ln>
-          <a:extLst>
-            <a:ext uri="{C572A759-6A51-4108-AA02-DFA0A04FC94B}">
-              <ma14:wrappingTextBoxFlag xmlns:ma14="http://schemas.microsoft.com/office/mac/drawingml/2011/main" val="1"/>
-            </a:ext>
-          </a:extLst>
-        </p:spPr>
-        <p:txBody>
-          <a:bodyPr lIns="45718" tIns="45718" rIns="45718" bIns="45718"/>
-          <a:lstStyle/>
-          <a:p>
-            <a:pPr defTabSz="410764">
-              <a:spcBef>
-                <a:spcPts val="700"/>
-              </a:spcBef>
-              <a:defRPr sz="2000">
-                <a:uFillTx/>
-                <a:latin typeface="Times New Roman"/>
-                <a:ea typeface="Times New Roman"/>
-                <a:cs typeface="Times New Roman"/>
-                <a:sym typeface="Times New Roman"/>
-              </a:defRPr>
-            </a:pPr>
-            <a:r>
-              <a:t>The first century in which we can think that a truly human world may soon be within our grasp…</a:t>
-            </a:r>
-          </a:p>
-          <a:p>
-            <a:pPr marL="190500" indent="-190500" defTabSz="370331">
-              <a:spcBef>
-                <a:spcPts val="700"/>
-              </a:spcBef>
-              <a:buSzPct val="100000"/>
-              <a:buChar char="•"/>
-              <a:tabLst>
-                <a:tab pos="215900" algn="l"/>
-              </a:tabLst>
-              <a:defRPr b="0" sz="2000">
-                <a:latin typeface="Times New Roman"/>
-                <a:ea typeface="Times New Roman"/>
-                <a:cs typeface="Times New Roman"/>
-                <a:sym typeface="Times New Roman"/>
-              </a:defRPr>
-            </a:pPr>
-            <a:r>
-              <a:t>Amazingly productive human accomplishments</a:t>
-            </a:r>
-          </a:p>
-          <a:p>
-            <a:pPr marL="190500" indent="-190500" defTabSz="370331">
-              <a:spcBef>
-                <a:spcPts val="700"/>
-              </a:spcBef>
-              <a:buSzPct val="100000"/>
-              <a:buChar char="•"/>
-              <a:tabLst>
-                <a:tab pos="215900" algn="l"/>
-              </a:tabLst>
-              <a:defRPr b="0" sz="2000">
-                <a:latin typeface="Times New Roman"/>
-                <a:ea typeface="Times New Roman"/>
-                <a:cs typeface="Times New Roman"/>
-                <a:sym typeface="Times New Roman"/>
-              </a:defRPr>
-            </a:pPr>
-            <a:r>
-              <a:t>A great deal of increase in and spread of human freedom</a:t>
-            </a:r>
-          </a:p>
-          <a:p>
-            <a:pPr marL="190500" indent="-190500" defTabSz="370331">
-              <a:spcBef>
-                <a:spcPts val="700"/>
-              </a:spcBef>
-              <a:buSzPct val="100000"/>
-              <a:buChar char="•"/>
-              <a:tabLst>
-                <a:tab pos="215900" algn="l"/>
-              </a:tabLst>
-              <a:defRPr b="0" sz="2000">
-                <a:latin typeface="Times New Roman"/>
-                <a:ea typeface="Times New Roman"/>
-                <a:cs typeface="Times New Roman"/>
-                <a:sym typeface="Times New Roman"/>
-              </a:defRPr>
-            </a:pPr>
-            <a:r>
-              <a:t>But a lot has gone wrong in the process</a:t>
-            </a:r>
-          </a:p>
-          <a:p>
-            <a:pPr lvl="1" marL="381000" indent="-190500" defTabSz="370331">
-              <a:spcBef>
-                <a:spcPts val="700"/>
-              </a:spcBef>
-              <a:buSzPct val="100000"/>
-              <a:buChar char="•"/>
-              <a:tabLst>
-                <a:tab pos="215900" algn="l"/>
-              </a:tabLst>
-              <a:defRPr b="0" sz="2000">
-                <a:latin typeface="Times New Roman"/>
-                <a:ea typeface="Times New Roman"/>
-                <a:cs typeface="Times New Roman"/>
-                <a:sym typeface="Times New Roman"/>
-              </a:defRPr>
-            </a:pPr>
-            <a:r>
-              <a:t>War and tyranny</a:t>
-            </a:r>
-          </a:p>
-          <a:p>
-            <a:pPr lvl="1" marL="381000" indent="-190500" defTabSz="370331">
-              <a:spcBef>
-                <a:spcPts val="700"/>
-              </a:spcBef>
-              <a:buSzPct val="100000"/>
-              <a:buChar char="•"/>
-              <a:tabLst>
-                <a:tab pos="215900" algn="l"/>
-              </a:tabLst>
-              <a:defRPr b="0" sz="2000">
-                <a:latin typeface="Times New Roman"/>
-                <a:ea typeface="Times New Roman"/>
-                <a:cs typeface="Times New Roman"/>
-                <a:sym typeface="Times New Roman"/>
-              </a:defRPr>
-            </a:pPr>
-            <a:r>
-              <a:t>Slow technological and organizational diffusion</a:t>
-            </a:r>
-          </a:p>
-          <a:p>
-            <a:pPr lvl="1" marL="381000" indent="-190500" defTabSz="370331">
-              <a:spcBef>
-                <a:spcPts val="700"/>
-              </a:spcBef>
-              <a:buSzPct val="100000"/>
-              <a:buChar char="•"/>
-              <a:tabLst>
-                <a:tab pos="215900" algn="l"/>
-              </a:tabLst>
-              <a:defRPr b="0" sz="2000">
-                <a:latin typeface="Times New Roman"/>
-                <a:ea typeface="Times New Roman"/>
-                <a:cs typeface="Times New Roman"/>
-                <a:sym typeface="Times New Roman"/>
-              </a:defRPr>
-            </a:pPr>
-            <a:r>
-              <a:t>The development of underdevelopment</a:t>
-            </a:r>
-          </a:p>
-          <a:p>
-            <a:pPr lvl="1" marL="381000" indent="-190500" defTabSz="370331">
-              <a:spcBef>
-                <a:spcPts val="700"/>
-              </a:spcBef>
-              <a:buSzPct val="100000"/>
-              <a:buChar char="•"/>
-              <a:tabLst>
-                <a:tab pos="215900" algn="l"/>
-              </a:tabLst>
-              <a:defRPr b="0" sz="2000">
-                <a:latin typeface="Times New Roman"/>
-                <a:ea typeface="Times New Roman"/>
-                <a:cs typeface="Times New Roman"/>
-                <a:sym typeface="Times New Roman"/>
-              </a:defRPr>
-            </a:pPr>
-            <a:r>
-              <a:t>Wealth gulfs</a:t>
-            </a:r>
-          </a:p>
-          <a:p>
-            <a:pPr marL="190500" indent="-190500" defTabSz="370331">
-              <a:spcBef>
-                <a:spcPts val="700"/>
-              </a:spcBef>
-              <a:buSzPct val="100000"/>
-              <a:buChar char="•"/>
-              <a:tabLst>
-                <a:tab pos="215900" algn="l"/>
-              </a:tabLst>
-              <a:defRPr b="0" sz="2000">
-                <a:latin typeface="Times New Roman"/>
-                <a:ea typeface="Times New Roman"/>
-                <a:cs typeface="Times New Roman"/>
-                <a:sym typeface="Times New Roman"/>
-              </a:defRPr>
-            </a:pPr>
-            <a:r>
-              <a:t>So what do we need other than material abundance to build a utopia?</a:t>
-            </a:r>
-          </a:p>
-          <a:p>
-            <a:pPr lvl="1" marL="381000" indent="-190500" defTabSz="370331">
-              <a:spcBef>
-                <a:spcPts val="700"/>
-              </a:spcBef>
-              <a:buSzPct val="100000"/>
-              <a:buChar char="•"/>
-              <a:tabLst>
-                <a:tab pos="215900" algn="l"/>
-              </a:tabLst>
-              <a:defRPr b="0" sz="2000">
-                <a:latin typeface="Times New Roman"/>
-                <a:ea typeface="Times New Roman"/>
-                <a:cs typeface="Times New Roman"/>
-                <a:sym typeface="Times New Roman"/>
-              </a:defRPr>
-            </a:pPr>
-            <a:r>
-              <a:t>Does Keynes have anything to tell us?</a:t>
-            </a:r>
-          </a:p>
-          <a:p>
-            <a:pPr lvl="1" marL="381000" indent="-190500" defTabSz="370331">
-              <a:spcBef>
-                <a:spcPts val="700"/>
-              </a:spcBef>
-              <a:buSzPct val="100000"/>
-              <a:buChar char="•"/>
-              <a:tabLst>
-                <a:tab pos="215900" algn="l"/>
-              </a:tabLst>
-              <a:defRPr b="0" sz="2000">
-                <a:latin typeface="Times New Roman"/>
-                <a:ea typeface="Times New Roman"/>
-                <a:cs typeface="Times New Roman"/>
-                <a:sym typeface="Times New Roman"/>
-              </a:defRPr>
-            </a:pPr>
-            <a:r>
-              <a:t>Does Diamond?</a:t>
-            </a:r>
-          </a:p>
-          <a:p>
-            <a:pPr lvl="1" marL="381000" indent="-190500" defTabSz="370331">
-              <a:spcBef>
-                <a:spcPts val="700"/>
-              </a:spcBef>
-              <a:buSzPct val="100000"/>
-              <a:buChar char="•"/>
-              <a:tabLst>
-                <a:tab pos="215900" algn="l"/>
-              </a:tabLst>
-              <a:defRPr b="0" sz="2000">
-                <a:latin typeface="Times New Roman"/>
-                <a:ea typeface="Times New Roman"/>
-                <a:cs typeface="Times New Roman"/>
-                <a:sym typeface="Times New Roman"/>
-              </a:defRPr>
-            </a:pPr>
-            <a:r>
-              <a:t>Deos Bellamy?</a:t>
-            </a:r>
-          </a:p>
-        </p:txBody>
-      </p:sp>
-      <p:pic>
-        <p:nvPicPr>
-          <p:cNvPr id="145" name="Image" descr="Image"/>
-          <p:cNvPicPr>
-            <a:picLocks noChangeAspect="1"/>
-          </p:cNvPicPr>
-          <p:nvPr/>
-        </p:nvPicPr>
-        <p:blipFill>
-          <a:blip r:embed="rId3">
-            <a:extLst/>
-          </a:blip>
-          <a:srcRect l="0" t="24642" r="0" b="0"/>
-          <a:stretch>
-            <a:fillRect/>
-          </a:stretch>
-        </p:blipFill>
-        <p:spPr>
-          <a:xfrm>
-            <a:off x="6012124" y="1142998"/>
-            <a:ext cx="2990440" cy="5397622"/>
-          </a:xfrm>
-          <a:prstGeom prst="rect">
-            <a:avLst/>
-          </a:prstGeom>
-          <a:ln w="12700">
-            <a:miter lim="400000"/>
-          </a:ln>
-        </p:spPr>
-      </p:pic>
-    </p:spTree>
-  </p:cSld>
-  <p:clrMapOvr>
-    <a:masterClrMapping/>
-  </p:clrMapOvr>
-  <p:transition xmlns:p14="http://schemas.microsoft.com/office/powerpoint/2010/main" spd="med" advClick="1"/>
-</p:sld>
-</file>
-
-<file path=ppt/slides/slide3.xml><?xml version="1.0" encoding="utf-8"?>
-<p:sld xmlns:a="http://schemas.openxmlformats.org/drawingml/2006/main" xmlns:r="http://schemas.openxmlformats.org/officeDocument/2006/relationships" xmlns:p="http://schemas.openxmlformats.org/presentationml/2006/main" xmlns:m="http://schemas.openxmlformats.org/officeDocument/2006/math" xmlns:a14="http://schemas.microsoft.com/office/drawing/2010/main" showMasterSp="1" showMasterPhAnim="1">
-  <p:cSld>
-    <p:spTree>
-      <p:nvGrpSpPr>
-        <p:cNvPr id="1" name=""/>
-        <p:cNvGrpSpPr/>
-        <p:nvPr/>
-      </p:nvGrpSpPr>
-      <p:grpSpPr>
-        <a:xfrm>
-          <a:off x="0" y="0"/>
-          <a:ext cx="0" cy="0"/>
-          <a:chOff x="0" y="0"/>
-          <a:chExt cx="0" cy="0"/>
-        </a:xfrm>
-      </p:grpSpPr>
-      <p:sp>
-        <p:nvSpPr>
-          <p:cNvPr id="149" name="Catch Our Breath…"/>
+          <p:cNvPr id="143" name="Catch Our Breath…"/>
           <p:cNvSpPr txBox="1"/>
           <p:nvPr>
             <p:ph type="title"/>
@@ -4832,7 +4558,7 @@
           <a:bodyPr/>
           <a:lstStyle>
             <a:lvl1pPr defTabSz="406908">
-              <a:defRPr sz="7119"/>
+              <a:defRPr sz="7100"/>
             </a:lvl1pPr>
           </a:lstStyle>
           <a:p>
@@ -4845,7 +4571,7 @@
       </p:sp>
       <p:sp>
         <p:nvSpPr>
-          <p:cNvPr id="150" name="Ask a couple of questions?…"/>
+          <p:cNvPr id="144" name="Ask a couple of questions?…"/>
           <p:cNvSpPr txBox="1"/>
           <p:nvPr>
             <p:ph type="body" sz="half" idx="1"/>
@@ -4853,8 +4579,8 @@
         </p:nvSpPr>
         <p:spPr>
           <a:xfrm>
-            <a:off x="127482" y="1143000"/>
-            <a:ext cx="4445001" cy="5397500"/>
+            <a:off x="127481" y="1143000"/>
+            <a:ext cx="4445003" cy="5397500"/>
           </a:xfrm>
           <a:prstGeom prst="rect">
             <a:avLst/>
@@ -5011,7 +4737,7 @@
       </p:sp>
       <p:pic>
         <p:nvPicPr>
-          <p:cNvPr id="151" name="Image" descr="Image"/>
+          <p:cNvPr id="145" name="Image" descr="Image"/>
           <p:cNvPicPr>
             <a:picLocks noChangeAspect="1"/>
           </p:cNvPicPr>
@@ -5028,7 +4754,7 @@
         <p:spPr>
           <a:xfrm>
             <a:off x="4572482" y="1143000"/>
-            <a:ext cx="4445001" cy="4444999"/>
+            <a:ext cx="4445002" cy="4444999"/>
           </a:xfrm>
           <a:prstGeom prst="rect">
             <a:avLst/>
@@ -5259,7 +4985,7 @@
             <a:spcPct val="100000"/>
           </a:lnSpc>
           <a:spcBef>
-            <a:spcPts val="0"/>
+            <a:spcPts val="600"/>
           </a:spcBef>
           <a:spcAft>
             <a:spcPts val="0"/>
@@ -5269,7 +4995,7 @@
           <a:buFontTx/>
           <a:buNone/>
           <a:tabLst/>
-          <a:defRPr b="0" baseline="0" cap="none" i="0" spc="0" strike="noStrike" sz="1800" u="none" kumimoji="0" normalizeH="0">
+          <a:defRPr b="0" baseline="0" cap="none" i="0" spc="0" strike="noStrike" sz="3000" u="none" kumimoji="0" normalizeH="0">
             <a:ln>
               <a:noFill/>
             </a:ln>
@@ -5282,10 +5008,10 @@
                 <a:srgbClr val="000000"/>
               </a:solidFill>
             </a:uFill>
-            <a:latin typeface="+mj-lt"/>
-            <a:ea typeface="+mj-ea"/>
-            <a:cs typeface="+mj-cs"/>
-            <a:sym typeface="Helvetica"/>
+            <a:latin typeface="+mn-lt"/>
+            <a:ea typeface="+mn-ea"/>
+            <a:cs typeface="+mn-cs"/>
+            <a:sym typeface="Avenir Roman"/>
           </a:defRPr>
         </a:defPPr>
         <a:lvl1pPr marL="0" marR="0" indent="0" algn="l" defTabSz="914400" rtl="0" fontAlgn="auto" latinLnBrk="1" hangingPunct="0">
@@ -5844,7 +5570,7 @@
           <a:buFontTx/>
           <a:buNone/>
           <a:tabLst/>
-          <a:defRPr b="1" baseline="0" cap="none" i="0" spc="0" strike="noStrike" sz="3000" u="none" kumimoji="0" normalizeH="0">
+          <a:defRPr b="0" baseline="0" cap="none" i="0" spc="0" strike="noStrike" sz="3000" u="none" kumimoji="0" normalizeH="0">
             <a:ln>
               <a:noFill/>
             </a:ln>
@@ -5857,10 +5583,10 @@
                 <a:srgbClr val="000000"/>
               </a:solidFill>
             </a:uFill>
-            <a:latin typeface="+mj-lt"/>
-            <a:ea typeface="+mj-ea"/>
-            <a:cs typeface="+mj-cs"/>
-            <a:sym typeface="Helvetica"/>
+            <a:latin typeface="+mn-lt"/>
+            <a:ea typeface="+mn-ea"/>
+            <a:cs typeface="+mn-cs"/>
+            <a:sym typeface="Avenir Roman"/>
           </a:defRPr>
         </a:defPPr>
         <a:lvl1pPr marL="0" marR="0" indent="0" algn="l" defTabSz="914400" rtl="0" fontAlgn="auto" latinLnBrk="1" hangingPunct="0">
@@ -6321,7 +6047,7 @@
             <a:spcPct val="100000"/>
           </a:lnSpc>
           <a:spcBef>
-            <a:spcPts val="0"/>
+            <a:spcPts val="600"/>
           </a:spcBef>
           <a:spcAft>
             <a:spcPts val="0"/>
@@ -6331,7 +6057,7 @@
           <a:buFontTx/>
           <a:buNone/>
           <a:tabLst/>
-          <a:defRPr b="0" baseline="0" cap="none" i="0" spc="0" strike="noStrike" sz="1800" u="none" kumimoji="0" normalizeH="0">
+          <a:defRPr b="0" baseline="0" cap="none" i="0" spc="0" strike="noStrike" sz="3000" u="none" kumimoji="0" normalizeH="0">
             <a:ln>
               <a:noFill/>
             </a:ln>
@@ -6344,10 +6070,10 @@
                 <a:srgbClr val="000000"/>
               </a:solidFill>
             </a:uFill>
-            <a:latin typeface="+mj-lt"/>
-            <a:ea typeface="+mj-ea"/>
-            <a:cs typeface="+mj-cs"/>
-            <a:sym typeface="Helvetica"/>
+            <a:latin typeface="+mn-lt"/>
+            <a:ea typeface="+mn-ea"/>
+            <a:cs typeface="+mn-cs"/>
+            <a:sym typeface="Avenir Roman"/>
           </a:defRPr>
         </a:defPPr>
         <a:lvl1pPr marL="0" marR="0" indent="0" algn="l" defTabSz="914400" rtl="0" fontAlgn="auto" latinLnBrk="1" hangingPunct="0">
@@ -6906,7 +6632,7 @@
           <a:buFontTx/>
           <a:buNone/>
           <a:tabLst/>
-          <a:defRPr b="1" baseline="0" cap="none" i="0" spc="0" strike="noStrike" sz="3000" u="none" kumimoji="0" normalizeH="0">
+          <a:defRPr b="0" baseline="0" cap="none" i="0" spc="0" strike="noStrike" sz="3000" u="none" kumimoji="0" normalizeH="0">
             <a:ln>
               <a:noFill/>
             </a:ln>
@@ -6919,10 +6645,10 @@
                 <a:srgbClr val="000000"/>
               </a:solidFill>
             </a:uFill>
-            <a:latin typeface="+mj-lt"/>
-            <a:ea typeface="+mj-ea"/>
-            <a:cs typeface="+mj-cs"/>
-            <a:sym typeface="Helvetica"/>
+            <a:latin typeface="+mn-lt"/>
+            <a:ea typeface="+mn-ea"/>
+            <a:cs typeface="+mn-cs"/>
+            <a:sym typeface="Avenir Roman"/>
           </a:defRPr>
         </a:defPPr>
         <a:lvl1pPr marL="0" marR="0" indent="0" algn="l" defTabSz="914400" rtl="0" fontAlgn="auto" latinLnBrk="1" hangingPunct="0">

--- a/econ-115-module-1-lecture-3.4-slouching?-#tceh.pptx
+++ b/econ-115-module-1-lecture-3.4-slouching?-#tceh.pptx
@@ -4047,52 +4047,7 @@
       </p:sp>
       <p:sp>
         <p:nvSpPr>
-          <p:cNvPr id="136" name="3:00 of audio in this slide; 9:30 in this slide group"/>
-          <p:cNvSpPr txBox="1"/>
-          <p:nvPr/>
-        </p:nvSpPr>
-        <p:spPr>
-          <a:xfrm>
-            <a:off x="4381500" y="6540496"/>
-            <a:ext cx="4762500" cy="574037"/>
-          </a:xfrm>
-          <a:prstGeom prst="rect">
-            <a:avLst/>
-          </a:prstGeom>
-          <a:ln w="12700">
-            <a:miter lim="400000"/>
-          </a:ln>
-          <a:extLst>
-            <a:ext uri="{C572A759-6A51-4108-AA02-DFA0A04FC94B}">
-              <ma14:wrappingTextBoxFlag xmlns:ma14="http://schemas.microsoft.com/office/mac/drawingml/2011/main" val="1"/>
-            </a:ext>
-          </a:extLst>
-        </p:spPr>
-        <p:txBody>
-          <a:bodyPr lIns="45718" tIns="45718" rIns="45718" bIns="45718">
-            <a:spAutoFit/>
-          </a:bodyPr>
-          <a:lstStyle>
-            <a:lvl1pPr algn="r">
-              <a:defRPr b="1" sz="1600">
-                <a:latin typeface="+mj-lt"/>
-                <a:ea typeface="+mj-ea"/>
-                <a:cs typeface="+mj-cs"/>
-                <a:sym typeface="Helvetica"/>
-              </a:defRPr>
-            </a:lvl1pPr>
-          </a:lstStyle>
-          <a:p>
-            <a:pPr/>
-            <a:r>
-              <a:t>3:00 of audio in this slide; 9:30 in this slide group</a:t>
-            </a:r>
-          </a:p>
-        </p:txBody>
-      </p:sp>
-      <p:sp>
-        <p:nvSpPr>
-          <p:cNvPr id="137" name="The long 20th century will in all likelihood be seen in the future as the watershed in human experience:…"/>
+          <p:cNvPr id="136" name="The long 20th century will in all likelihood be seen in the future as the watershed in human experience:…"/>
           <p:cNvSpPr txBox="1"/>
           <p:nvPr/>
         </p:nvSpPr>
@@ -4370,7 +4325,7 @@
       </p:sp>
       <p:pic>
         <p:nvPicPr>
-          <p:cNvPr id="138" name="Image" descr="Image"/>
+          <p:cNvPr id="137" name="Image" descr="Image"/>
           <p:cNvPicPr>
             <a:picLocks noChangeAspect="1"/>
           </p:cNvPicPr>
@@ -4400,7 +4355,7 @@
       </p:pic>
       <p:pic>
         <p:nvPicPr>
-          <p:cNvPr id="139" name="Audio Recording.m4a" descr="Audio Recording.m4a"/>
+          <p:cNvPr id="138" name="Audio Recording.m4a" descr="Audio Recording.m4a"/>
           <p:cNvPicPr>
             <a:picLocks noChangeAspect="0"/>
           </p:cNvPicPr>
@@ -4434,6 +4389,51 @@
           </a:ln>
         </p:spPr>
       </p:pic>
+      <p:sp>
+        <p:nvSpPr>
+          <p:cNvPr id="139" name="4:30 of audio in this slide &amp; group"/>
+          <p:cNvSpPr txBox="1"/>
+          <p:nvPr/>
+        </p:nvSpPr>
+        <p:spPr>
+          <a:xfrm>
+            <a:off x="4381500" y="6540497"/>
+            <a:ext cx="4762500" cy="332737"/>
+          </a:xfrm>
+          <a:prstGeom prst="rect">
+            <a:avLst/>
+          </a:prstGeom>
+          <a:ln w="12700">
+            <a:miter lim="400000"/>
+          </a:ln>
+          <a:extLst>
+            <a:ext uri="{C572A759-6A51-4108-AA02-DFA0A04FC94B}">
+              <ma14:wrappingTextBoxFlag xmlns:ma14="http://schemas.microsoft.com/office/mac/drawingml/2011/main" val="1"/>
+            </a:ext>
+          </a:extLst>
+        </p:spPr>
+        <p:txBody>
+          <a:bodyPr lIns="45718" tIns="45718" rIns="45718" bIns="45718">
+            <a:spAutoFit/>
+          </a:bodyPr>
+          <a:lstStyle>
+            <a:lvl1pPr algn="r">
+              <a:defRPr b="1" sz="1600">
+                <a:latin typeface="+mj-lt"/>
+                <a:ea typeface="+mj-ea"/>
+                <a:cs typeface="+mj-cs"/>
+                <a:sym typeface="Helvetica"/>
+              </a:defRPr>
+            </a:lvl1pPr>
+          </a:lstStyle>
+          <a:p>
+            <a:pPr/>
+            <a:r>
+              <a:t>4:30 of audio in this slide &amp; group</a:t>
+            </a:r>
+          </a:p>
+        </p:txBody>
+      </p:sp>
     </p:spTree>
   </p:cSld>
   <p:clrMapOvr>
@@ -4470,7 +4470,7 @@
                                       <p:cBhvr>
                                         <p:cTn id="6" dur="269513336" fill="hold"/>
                                         <p:tgtEl>
-                                          <p:spTgt spid="139"/>
+                                          <p:spTgt spid="138"/>
                                         </p:tgtEl>
                                       </p:cBhvr>
                                     </p:cmd>
@@ -4508,7 +4508,7 @@
                   </p:stCondLst>
                 </p:cTn>
                 <p:tgtEl>
-                  <p:spTgt spid="139"/>
+                  <p:spTgt spid="138"/>
                 </p:tgtEl>
               </p:cMediaNode>
             </p:audio>
